--- a/Carolyn_Randall_DSProject.pptx
+++ b/Carolyn_Randall_DSProject.pptx
@@ -15,19 +15,19 @@
     <p:sldId id="280" r:id="rId12"/>
     <p:sldId id="269" r:id="rId13"/>
     <p:sldId id="265" r:id="rId14"/>
-    <p:sldId id="261" r:id="rId15"/>
-    <p:sldId id="266" r:id="rId16"/>
-    <p:sldId id="278" r:id="rId17"/>
-    <p:sldId id="312" r:id="rId18"/>
-    <p:sldId id="313" r:id="rId19"/>
-    <p:sldId id="314" r:id="rId20"/>
-    <p:sldId id="315" r:id="rId21"/>
-    <p:sldId id="316" r:id="rId22"/>
-    <p:sldId id="317" r:id="rId23"/>
-    <p:sldId id="272" r:id="rId24"/>
-    <p:sldId id="273" r:id="rId25"/>
-    <p:sldId id="274" r:id="rId26"/>
-    <p:sldId id="287" r:id="rId27"/>
+    <p:sldId id="318" r:id="rId15"/>
+    <p:sldId id="272" r:id="rId16"/>
+    <p:sldId id="261" r:id="rId17"/>
+    <p:sldId id="266" r:id="rId18"/>
+    <p:sldId id="278" r:id="rId19"/>
+    <p:sldId id="312" r:id="rId20"/>
+    <p:sldId id="313" r:id="rId21"/>
+    <p:sldId id="314" r:id="rId22"/>
+    <p:sldId id="315" r:id="rId23"/>
+    <p:sldId id="316" r:id="rId24"/>
+    <p:sldId id="317" r:id="rId25"/>
+    <p:sldId id="287" r:id="rId26"/>
+    <p:sldId id="274" r:id="rId27"/>
     <p:sldId id="284" r:id="rId28"/>
     <p:sldId id="288" r:id="rId29"/>
     <p:sldId id="285" r:id="rId30"/>
@@ -49,8 +49,9 @@
     <p:sldId id="307" r:id="rId46"/>
     <p:sldId id="308" r:id="rId47"/>
     <p:sldId id="309" r:id="rId48"/>
-    <p:sldId id="310" r:id="rId49"/>
-    <p:sldId id="311" r:id="rId50"/>
+    <p:sldId id="319" r:id="rId49"/>
+    <p:sldId id="310" r:id="rId50"/>
+    <p:sldId id="311" r:id="rId51"/>
   </p:sldIdLst>
   <p:sldSz cx="9144000" cy="6858000" type="screen4x3"/>
   <p:notesSz cx="6858000" cy="9144000"/>
@@ -3404,10 +3405,26 @@
           <a:lstStyle/>
           <a:p>
             <a:r>
-              <a:rPr lang="en-US" sz="4000" dirty="0" smtClean="0"/>
-              <a:t>Notes on grades</a:t>
-            </a:r>
-            <a:endParaRPr lang="en-US" sz="4000" dirty="0"/>
+              <a:rPr lang="en-US" sz="4000" dirty="0" smtClean="0">
+                <a:solidFill>
+                  <a:srgbClr val="FFFF00"/>
+                </a:solidFill>
+              </a:rPr>
+              <a:t>Notes on </a:t>
+            </a:r>
+            <a:r>
+              <a:rPr lang="en-US" sz="4000" dirty="0" smtClean="0">
+                <a:solidFill>
+                  <a:srgbClr val="FFFF00"/>
+                </a:solidFill>
+              </a:rPr>
+              <a:t>grades feature</a:t>
+            </a:r>
+            <a:endParaRPr lang="en-US" sz="4000" dirty="0">
+              <a:solidFill>
+                <a:srgbClr val="FFFF00"/>
+              </a:solidFill>
+            </a:endParaRPr>
           </a:p>
         </p:txBody>
       </p:sp>
@@ -3429,7 +3446,7 @@
         </p:spPr>
         <p:txBody>
           <a:bodyPr>
-            <a:normAutofit fontScale="55000" lnSpcReduction="20000"/>
+            <a:normAutofit fontScale="92500" lnSpcReduction="20000"/>
           </a:bodyPr>
           <a:lstStyle/>
           <a:p>
@@ -3440,55 +3457,127 @@
           </a:p>
           <a:p>
             <a:r>
-              <a:rPr lang="en-US" dirty="0" smtClean="0"/>
+              <a:rPr lang="en-US" dirty="0" smtClean="0">
+                <a:solidFill>
+                  <a:srgbClr val="FFFF00"/>
+                </a:solidFill>
+              </a:rPr>
               <a:t>a </a:t>
             </a:r>
             <a:r>
-              <a:rPr lang="en-US" dirty="0"/>
+              <a:rPr lang="en-US" dirty="0">
+                <a:solidFill>
+                  <a:srgbClr val="FFFF00"/>
+                </a:solidFill>
+              </a:rPr>
               <a:t>20-point grading scale is used, where 0 is the lowest grade and 20 is the perfect score. </a:t>
             </a:r>
-            <a:endParaRPr lang="en-US" dirty="0" smtClean="0"/>
-          </a:p>
-          <a:p>
-            <a:endParaRPr lang="en-US" dirty="0" smtClean="0"/>
-          </a:p>
-          <a:p>
-            <a:r>
-              <a:rPr lang="en-US" dirty="0"/>
+            <a:endParaRPr lang="en-US" dirty="0" smtClean="0">
+              <a:solidFill>
+                <a:srgbClr val="FFFF00"/>
+              </a:solidFill>
+            </a:endParaRPr>
+          </a:p>
+          <a:p>
+            <a:endParaRPr lang="en-US" dirty="0" smtClean="0">
+              <a:solidFill>
+                <a:srgbClr val="FFFF00"/>
+              </a:solidFill>
+            </a:endParaRPr>
+          </a:p>
+          <a:p>
+            <a:r>
+              <a:rPr lang="en-US" dirty="0">
+                <a:solidFill>
+                  <a:srgbClr val="FFFF00"/>
+                </a:solidFill>
+              </a:rPr>
               <a:t>students </a:t>
             </a:r>
             <a:r>
-              <a:rPr lang="en-US" dirty="0" smtClean="0"/>
+              <a:rPr lang="en-US" dirty="0" smtClean="0">
+                <a:solidFill>
+                  <a:srgbClr val="FFFF00"/>
+                </a:solidFill>
+              </a:rPr>
               <a:t>were evaluated </a:t>
             </a:r>
             <a:r>
-              <a:rPr lang="en-US" dirty="0"/>
+              <a:rPr lang="en-US" dirty="0">
+                <a:solidFill>
+                  <a:srgbClr val="FFFF00"/>
+                </a:solidFill>
+              </a:rPr>
               <a:t>in three periods and the last evaluation (</a:t>
             </a:r>
             <a:r>
-              <a:rPr lang="en-US" dirty="0" smtClean="0"/>
+              <a:rPr lang="en-US" dirty="0" smtClean="0">
+                <a:solidFill>
+                  <a:srgbClr val="FFFF00"/>
+                </a:solidFill>
+              </a:rPr>
               <a:t>G3) </a:t>
             </a:r>
           </a:p>
           <a:p>
-            <a:endParaRPr lang="en-US" dirty="0" smtClean="0"/>
-          </a:p>
-          <a:p>
-            <a:r>
-              <a:rPr lang="en-US" dirty="0"/>
+            <a:endParaRPr lang="en-US" dirty="0" smtClean="0">
+              <a:solidFill>
+                <a:srgbClr val="FFFF00"/>
+              </a:solidFill>
+            </a:endParaRPr>
+          </a:p>
+          <a:p>
+            <a:r>
+              <a:rPr lang="en-US" dirty="0">
+                <a:solidFill>
+                  <a:srgbClr val="FFFF00"/>
+                </a:solidFill>
+              </a:rPr>
               <a:t>I will be using Average as my target (average of G1, G2, G3)</a:t>
             </a:r>
-            <a:endParaRPr lang="en-US" dirty="0" smtClean="0"/>
-          </a:p>
-          <a:p>
-            <a:endParaRPr lang="en-US" dirty="0" smtClean="0"/>
-          </a:p>
-          <a:p>
-            <a:r>
-              <a:rPr lang="en-US" dirty="0" smtClean="0"/>
-              <a:t>Students evaluated at two schools</a:t>
-            </a:r>
-            <a:endParaRPr lang="en-US" dirty="0"/>
+            <a:endParaRPr lang="en-US" dirty="0" smtClean="0">
+              <a:solidFill>
+                <a:srgbClr val="FFFF00"/>
+              </a:solidFill>
+            </a:endParaRPr>
+          </a:p>
+          <a:p>
+            <a:endParaRPr lang="en-US" dirty="0" smtClean="0">
+              <a:solidFill>
+                <a:srgbClr val="FFFF00"/>
+              </a:solidFill>
+            </a:endParaRPr>
+          </a:p>
+          <a:p>
+            <a:r>
+              <a:rPr lang="en-US" dirty="0" smtClean="0">
+                <a:solidFill>
+                  <a:srgbClr val="FFFF00"/>
+                </a:solidFill>
+              </a:rPr>
+              <a:t>Students </a:t>
+            </a:r>
+            <a:r>
+              <a:rPr lang="en-US" dirty="0" smtClean="0">
+                <a:solidFill>
+                  <a:srgbClr val="FFFF00"/>
+                </a:solidFill>
+              </a:rPr>
+              <a:t>were evaluated </a:t>
+            </a:r>
+            <a:r>
+              <a:rPr lang="en-US" dirty="0" smtClean="0">
+                <a:solidFill>
+                  <a:srgbClr val="FFFF00"/>
+                </a:solidFill>
+              </a:rPr>
+              <a:t>at two schools</a:t>
+            </a:r>
+            <a:endParaRPr lang="en-US" dirty="0">
+              <a:solidFill>
+                <a:srgbClr val="FFFF00"/>
+              </a:solidFill>
+            </a:endParaRPr>
           </a:p>
           <a:p>
             <a:endParaRPr lang="en-US" dirty="0" smtClean="0"/>
@@ -3503,61 +3592,7 @@
             <a:pPr marL="0" indent="0">
               <a:buNone/>
             </a:pPr>
-            <a:r>
-              <a:rPr lang="en-US" sz="3000" dirty="0"/>
-              <a:t>N</a:t>
-            </a:r>
-            <a:r>
-              <a:rPr lang="en-US" sz="3000" dirty="0" smtClean="0"/>
-              <a:t>umber of grades &gt; 10 midway</a:t>
-            </a:r>
-          </a:p>
-          <a:p>
-            <a:pPr marL="0" indent="0">
-              <a:buNone/>
-            </a:pPr>
-            <a:endParaRPr lang="en-US" sz="2800" dirty="0" smtClean="0"/>
-          </a:p>
-          <a:p>
-            <a:r>
-              <a:rPr lang="en-US" dirty="0" smtClean="0"/>
-              <a:t>216 </a:t>
-            </a:r>
-            <a:r>
-              <a:rPr lang="en-US" dirty="0"/>
-              <a:t>of 395 math grades </a:t>
-            </a:r>
-            <a:r>
-              <a:rPr lang="en-US" dirty="0" smtClean="0"/>
-              <a:t>greater than 10</a:t>
-            </a:r>
-          </a:p>
-          <a:p>
-            <a:pPr lvl="1"/>
-            <a:r>
-              <a:rPr lang="en-US" dirty="0" smtClean="0"/>
-              <a:t>54.68%</a:t>
-            </a:r>
-          </a:p>
-          <a:p>
             <a:endParaRPr lang="en-US" dirty="0" smtClean="0"/>
-          </a:p>
-          <a:p>
-            <a:r>
-              <a:rPr lang="en-US" dirty="0"/>
-              <a:t>450 out of 649  Portuguese grades </a:t>
-            </a:r>
-            <a:r>
-              <a:rPr lang="en-US" dirty="0" smtClean="0"/>
-              <a:t>greater than 10</a:t>
-            </a:r>
-          </a:p>
-          <a:p>
-            <a:pPr lvl="1"/>
-            <a:r>
-              <a:rPr lang="en-US" dirty="0" smtClean="0"/>
-              <a:t>69.34%</a:t>
-            </a:r>
           </a:p>
           <a:p>
             <a:pPr marL="0" indent="0">
@@ -3617,6 +3652,271 @@
             <p:ph type="title"/>
           </p:nvPr>
         </p:nvSpPr>
+        <p:spPr/>
+        <p:txBody>
+          <a:bodyPr/>
+          <a:lstStyle/>
+          <a:p>
+            <a:r>
+              <a:rPr lang="en-US" dirty="0" smtClean="0">
+                <a:solidFill>
+                  <a:srgbClr val="FFFF00"/>
+                </a:solidFill>
+              </a:rPr>
+              <a:t>% of grades &gt; mid-point</a:t>
+            </a:r>
+            <a:endParaRPr lang="en-US" dirty="0">
+              <a:solidFill>
+                <a:srgbClr val="FFFF00"/>
+              </a:solidFill>
+            </a:endParaRPr>
+          </a:p>
+        </p:txBody>
+      </p:sp>
+      <p:sp>
+        <p:nvSpPr>
+          <p:cNvPr id="3" name="Content Placeholder 2"/>
+          <p:cNvSpPr>
+            <a:spLocks noGrp="1"/>
+          </p:cNvSpPr>
+          <p:nvPr>
+            <p:ph idx="1"/>
+          </p:nvPr>
+        </p:nvSpPr>
+        <p:spPr/>
+        <p:txBody>
+          <a:bodyPr/>
+          <a:lstStyle/>
+          <a:p>
+            <a:pPr marL="0" indent="0">
+              <a:buNone/>
+            </a:pPr>
+            <a:r>
+              <a:rPr lang="en-US" sz="3000" dirty="0">
+                <a:solidFill>
+                  <a:srgbClr val="FFFF00"/>
+                </a:solidFill>
+              </a:rPr>
+              <a:t>Number of grades &gt; 10 midway</a:t>
+            </a:r>
+          </a:p>
+          <a:p>
+            <a:pPr marL="0" indent="0">
+              <a:buNone/>
+            </a:pPr>
+            <a:endParaRPr lang="en-US" sz="2800" dirty="0">
+              <a:solidFill>
+                <a:srgbClr val="FFFF00"/>
+              </a:solidFill>
+            </a:endParaRPr>
+          </a:p>
+          <a:p>
+            <a:r>
+              <a:rPr lang="en-US" dirty="0">
+                <a:solidFill>
+                  <a:srgbClr val="FFFF00"/>
+                </a:solidFill>
+              </a:rPr>
+              <a:t>216 of 395 math grades greater than 10</a:t>
+            </a:r>
+          </a:p>
+          <a:p>
+            <a:pPr lvl="1"/>
+            <a:r>
+              <a:rPr lang="en-US" dirty="0">
+                <a:solidFill>
+                  <a:srgbClr val="FFFF00"/>
+                </a:solidFill>
+              </a:rPr>
+              <a:t>54.68%</a:t>
+            </a:r>
+          </a:p>
+          <a:p>
+            <a:endParaRPr lang="en-US" dirty="0">
+              <a:solidFill>
+                <a:srgbClr val="FFFF00"/>
+              </a:solidFill>
+            </a:endParaRPr>
+          </a:p>
+          <a:p>
+            <a:r>
+              <a:rPr lang="en-US" dirty="0">
+                <a:solidFill>
+                  <a:srgbClr val="FFFF00"/>
+                </a:solidFill>
+              </a:rPr>
+              <a:t>450 out of 649  Portuguese grades greater than 10</a:t>
+            </a:r>
+          </a:p>
+          <a:p>
+            <a:pPr lvl="1"/>
+            <a:r>
+              <a:rPr lang="en-US" dirty="0">
+                <a:solidFill>
+                  <a:srgbClr val="FFFF00"/>
+                </a:solidFill>
+              </a:rPr>
+              <a:t>69.34%</a:t>
+            </a:r>
+          </a:p>
+          <a:p>
+            <a:endParaRPr lang="en-US" dirty="0"/>
+          </a:p>
+        </p:txBody>
+      </p:sp>
+    </p:spTree>
+    <p:extLst>
+      <p:ext uri="{BB962C8B-B14F-4D97-AF65-F5344CB8AC3E}">
+        <p14:creationId xmlns:p14="http://schemas.microsoft.com/office/powerpoint/2010/main" val="3864320214"/>
+      </p:ext>
+    </p:extLst>
+  </p:cSld>
+  <p:clrMapOvr>
+    <a:masterClrMapping/>
+  </p:clrMapOvr>
+</p:sld>
+</file>
+
+<file path=ppt/slides/slide12.xml><?xml version="1.0" encoding="utf-8"?>
+<p:sld xmlns:a="http://schemas.openxmlformats.org/drawingml/2006/main" xmlns:r="http://schemas.openxmlformats.org/officeDocument/2006/relationships" xmlns:p="http://schemas.openxmlformats.org/presentationml/2006/main">
+  <p:cSld>
+    <p:spTree>
+      <p:nvGrpSpPr>
+        <p:cNvPr id="1" name=""/>
+        <p:cNvGrpSpPr/>
+        <p:nvPr/>
+      </p:nvGrpSpPr>
+      <p:grpSpPr>
+        <a:xfrm>
+          <a:off x="0" y="0"/>
+          <a:ext cx="0" cy="0"/>
+          <a:chOff x="0" y="0"/>
+          <a:chExt cx="0" cy="0"/>
+        </a:xfrm>
+      </p:grpSpPr>
+      <p:sp>
+        <p:nvSpPr>
+          <p:cNvPr id="2" name="Title 1"/>
+          <p:cNvSpPr>
+            <a:spLocks noGrp="1"/>
+          </p:cNvSpPr>
+          <p:nvPr>
+            <p:ph type="title"/>
+          </p:nvPr>
+        </p:nvSpPr>
+        <p:spPr/>
+        <p:txBody>
+          <a:bodyPr/>
+          <a:lstStyle/>
+          <a:p>
+            <a:r>
+              <a:rPr lang="en-US" dirty="0" smtClean="0">
+                <a:solidFill>
+                  <a:srgbClr val="FFFF00"/>
+                </a:solidFill>
+              </a:rPr>
+              <a:t>Convert using dummies</a:t>
+            </a:r>
+            <a:endParaRPr lang="en-US" dirty="0">
+              <a:solidFill>
+                <a:srgbClr val="FFFF00"/>
+              </a:solidFill>
+            </a:endParaRPr>
+          </a:p>
+        </p:txBody>
+      </p:sp>
+      <p:sp>
+        <p:nvSpPr>
+          <p:cNvPr id="3" name="Content Placeholder 2"/>
+          <p:cNvSpPr>
+            <a:spLocks noGrp="1"/>
+          </p:cNvSpPr>
+          <p:nvPr>
+            <p:ph idx="1"/>
+          </p:nvPr>
+        </p:nvSpPr>
+        <p:spPr>
+          <a:xfrm>
+            <a:off x="457200" y="1842292"/>
+            <a:ext cx="8229600" cy="3838107"/>
+          </a:xfrm>
+        </p:spPr>
+        <p:txBody>
+          <a:bodyPr/>
+          <a:lstStyle/>
+          <a:p>
+            <a:endParaRPr lang="en-US" dirty="0" smtClean="0"/>
+          </a:p>
+          <a:p>
+            <a:r>
+              <a:rPr lang="en-US" dirty="0" smtClean="0">
+                <a:solidFill>
+                  <a:srgbClr val="FFFF00"/>
+                </a:solidFill>
+              </a:rPr>
+              <a:t>Converted </a:t>
+            </a:r>
+            <a:r>
+              <a:rPr lang="en-US" dirty="0" smtClean="0">
+                <a:solidFill>
+                  <a:srgbClr val="FFFF00"/>
+                </a:solidFill>
+              </a:rPr>
+              <a:t>all the categorical data to numeric using dummies for both the Math and Portuguese datasets so I can run the numeric data thru my model</a:t>
+            </a:r>
+          </a:p>
+          <a:p>
+            <a:endParaRPr lang="en-US" dirty="0"/>
+          </a:p>
+        </p:txBody>
+      </p:sp>
+    </p:spTree>
+    <p:extLst>
+      <p:ext uri="{BB962C8B-B14F-4D97-AF65-F5344CB8AC3E}">
+        <p14:creationId xmlns:p14="http://schemas.microsoft.com/office/powerpoint/2010/main" val="2709591790"/>
+      </p:ext>
+    </p:extLst>
+  </p:cSld>
+  <p:clrMapOvr>
+    <a:masterClrMapping/>
+  </p:clrMapOvr>
+  <p:timing>
+    <p:tnLst>
+      <p:par>
+        <p:cTn xmlns:p14="http://schemas.microsoft.com/office/powerpoint/2010/main" id="1" dur="indefinite" restart="never" nodeType="tmRoot"/>
+      </p:par>
+    </p:tnLst>
+  </p:timing>
+</p:sld>
+</file>
+
+<file path=ppt/slides/slide13.xml><?xml version="1.0" encoding="utf-8"?>
+<p:sld xmlns:a="http://schemas.openxmlformats.org/drawingml/2006/main" xmlns:r="http://schemas.openxmlformats.org/officeDocument/2006/relationships" xmlns:p="http://schemas.openxmlformats.org/presentationml/2006/main">
+  <p:cSld>
+    <p:spTree>
+      <p:nvGrpSpPr>
+        <p:cNvPr id="1" name=""/>
+        <p:cNvGrpSpPr/>
+        <p:nvPr/>
+      </p:nvGrpSpPr>
+      <p:grpSpPr>
+        <a:xfrm>
+          <a:off x="0" y="0"/>
+          <a:ext cx="0" cy="0"/>
+          <a:chOff x="0" y="0"/>
+          <a:chExt cx="0" cy="0"/>
+        </a:xfrm>
+      </p:grpSpPr>
+      <p:sp>
+        <p:nvSpPr>
+          <p:cNvPr id="2" name="Title 1"/>
+          <p:cNvSpPr>
+            <a:spLocks noGrp="1"/>
+          </p:cNvSpPr>
+          <p:nvPr>
+            <p:ph type="title"/>
+          </p:nvPr>
+        </p:nvSpPr>
         <p:spPr>
           <a:xfrm>
             <a:off x="457200" y="274638"/>
@@ -3628,10 +3928,18 @@
           <a:lstStyle/>
           <a:p>
             <a:r>
-              <a:rPr lang="en-US" dirty="0" smtClean="0"/>
+              <a:rPr lang="en-US" dirty="0" smtClean="0">
+                <a:solidFill>
+                  <a:srgbClr val="FFFF00"/>
+                </a:solidFill>
+              </a:rPr>
               <a:t>Visualize the data</a:t>
             </a:r>
-            <a:endParaRPr lang="en-US" dirty="0"/>
+            <a:endParaRPr lang="en-US" dirty="0">
+              <a:solidFill>
+                <a:srgbClr val="FFFF00"/>
+              </a:solidFill>
+            </a:endParaRPr>
           </a:p>
         </p:txBody>
       </p:sp>
@@ -3655,7 +3963,7 @@
 </p:sld>
 </file>
 
-<file path=ppt/slides/slide12.xml><?xml version="1.0" encoding="utf-8"?>
+<file path=ppt/slides/slide14.xml><?xml version="1.0" encoding="utf-8"?>
 <p:sld xmlns:a="http://schemas.openxmlformats.org/drawingml/2006/main" xmlns:r="http://schemas.openxmlformats.org/officeDocument/2006/relationships" xmlns:p="http://schemas.openxmlformats.org/presentationml/2006/main">
   <p:cSld>
     <p:spTree>
@@ -3695,10 +4003,18 @@
           <a:lstStyle/>
           <a:p>
             <a:r>
-              <a:rPr lang="en-US" sz="3200" dirty="0" smtClean="0"/>
+              <a:rPr lang="en-US" sz="3200" dirty="0" smtClean="0">
+                <a:solidFill>
+                  <a:srgbClr val="FFFF00"/>
+                </a:solidFill>
+              </a:rPr>
               <a:t>Heat map correlation – Math</a:t>
             </a:r>
-            <a:endParaRPr lang="en-US" sz="3200" dirty="0"/>
+            <a:endParaRPr lang="en-US" sz="3200" dirty="0">
+              <a:solidFill>
+                <a:srgbClr val="FFFF00"/>
+              </a:solidFill>
+            </a:endParaRPr>
           </a:p>
         </p:txBody>
       </p:sp>
@@ -3744,7 +4060,7 @@
 </p:sld>
 </file>
 
-<file path=ppt/slides/slide13.xml><?xml version="1.0" encoding="utf-8"?>
+<file path=ppt/slides/slide15.xml><?xml version="1.0" encoding="utf-8"?>
 <p:sld xmlns:a="http://schemas.openxmlformats.org/drawingml/2006/main" xmlns:r="http://schemas.openxmlformats.org/officeDocument/2006/relationships" xmlns:p="http://schemas.openxmlformats.org/presentationml/2006/main">
   <p:cSld>
     <p:spTree>
@@ -3784,10 +4100,18 @@
           <a:lstStyle/>
           <a:p>
             <a:r>
-              <a:rPr lang="en-US" sz="3200" dirty="0" smtClean="0"/>
+              <a:rPr lang="en-US" sz="3200" dirty="0" smtClean="0">
+                <a:solidFill>
+                  <a:srgbClr val="FFFF00"/>
+                </a:solidFill>
+              </a:rPr>
               <a:t>Heat map correlation – Portuguese</a:t>
             </a:r>
-            <a:endParaRPr lang="en-US" sz="3200" dirty="0"/>
+            <a:endParaRPr lang="en-US" sz="3200" dirty="0">
+              <a:solidFill>
+                <a:srgbClr val="FFFF00"/>
+              </a:solidFill>
+            </a:endParaRPr>
           </a:p>
         </p:txBody>
       </p:sp>
@@ -3833,7 +4157,7 @@
 </p:sld>
 </file>
 
-<file path=ppt/slides/slide14.xml><?xml version="1.0" encoding="utf-8"?>
+<file path=ppt/slides/slide16.xml><?xml version="1.0" encoding="utf-8"?>
 <p:sld xmlns:a="http://schemas.openxmlformats.org/drawingml/2006/main" xmlns:r="http://schemas.openxmlformats.org/officeDocument/2006/relationships" xmlns:p="http://schemas.openxmlformats.org/presentationml/2006/main">
   <p:cSld>
     <p:spTree>
@@ -3871,10 +4195,18 @@
           <a:lstStyle/>
           <a:p>
             <a:r>
-              <a:rPr lang="en-US" dirty="0" smtClean="0"/>
+              <a:rPr lang="en-US" dirty="0" smtClean="0">
+                <a:solidFill>
+                  <a:srgbClr val="FFFF00"/>
+                </a:solidFill>
+              </a:rPr>
               <a:t>Math averages - Distribution </a:t>
             </a:r>
-            <a:endParaRPr lang="en-US" dirty="0"/>
+            <a:endParaRPr lang="en-US" dirty="0">
+              <a:solidFill>
+                <a:srgbClr val="FFFF00"/>
+              </a:solidFill>
+            </a:endParaRPr>
           </a:p>
         </p:txBody>
       </p:sp>
@@ -3913,7 +4245,7 @@
 </p:sld>
 </file>
 
-<file path=ppt/slides/slide15.xml><?xml version="1.0" encoding="utf-8"?>
+<file path=ppt/slides/slide17.xml><?xml version="1.0" encoding="utf-8"?>
 <p:sld xmlns:a="http://schemas.openxmlformats.org/drawingml/2006/main" xmlns:r="http://schemas.openxmlformats.org/officeDocument/2006/relationships" xmlns:p="http://schemas.openxmlformats.org/presentationml/2006/main">
   <p:cSld>
     <p:spTree>
@@ -3953,10 +4285,18 @@
           <a:lstStyle/>
           <a:p>
             <a:r>
-              <a:rPr lang="en-US" dirty="0" smtClean="0"/>
+              <a:rPr lang="en-US" dirty="0" smtClean="0">
+                <a:solidFill>
+                  <a:srgbClr val="FFFF00"/>
+                </a:solidFill>
+              </a:rPr>
               <a:t>Portuguese – average distribution</a:t>
             </a:r>
-            <a:endParaRPr lang="en-US" dirty="0"/>
+            <a:endParaRPr lang="en-US" dirty="0">
+              <a:solidFill>
+                <a:srgbClr val="FFFF00"/>
+              </a:solidFill>
+            </a:endParaRPr>
           </a:p>
         </p:txBody>
       </p:sp>
@@ -3995,7 +4335,7 @@
 </p:sld>
 </file>
 
-<file path=ppt/slides/slide16.xml><?xml version="1.0" encoding="utf-8"?>
+<file path=ppt/slides/slide18.xml><?xml version="1.0" encoding="utf-8"?>
 <p:sld xmlns:a="http://schemas.openxmlformats.org/drawingml/2006/main" xmlns:r="http://schemas.openxmlformats.org/officeDocument/2006/relationships" xmlns:p="http://schemas.openxmlformats.org/presentationml/2006/main">
   <p:cSld>
     <p:spTree>
@@ -4028,10 +4368,18 @@
           <a:lstStyle/>
           <a:p>
             <a:r>
-              <a:rPr lang="en-US" dirty="0" smtClean="0"/>
+              <a:rPr lang="en-US" dirty="0" smtClean="0">
+                <a:solidFill>
+                  <a:srgbClr val="FFFF00"/>
+                </a:solidFill>
+              </a:rPr>
               <a:t>Math failures / Average</a:t>
             </a:r>
-            <a:endParaRPr lang="en-US" dirty="0"/>
+            <a:endParaRPr lang="en-US" dirty="0">
+              <a:solidFill>
+                <a:srgbClr val="FFFF00"/>
+              </a:solidFill>
+            </a:endParaRPr>
           </a:p>
         </p:txBody>
       </p:sp>
@@ -4070,7 +4418,7 @@
 </p:sld>
 </file>
 
-<file path=ppt/slides/slide17.xml><?xml version="1.0" encoding="utf-8"?>
+<file path=ppt/slides/slide19.xml><?xml version="1.0" encoding="utf-8"?>
 <p:sld xmlns:a="http://schemas.openxmlformats.org/drawingml/2006/main" xmlns:r="http://schemas.openxmlformats.org/officeDocument/2006/relationships" xmlns:p="http://schemas.openxmlformats.org/presentationml/2006/main">
   <p:cSld>
     <p:spTree>
@@ -4103,10 +4451,18 @@
           <a:lstStyle/>
           <a:p>
             <a:r>
-              <a:rPr lang="en-US" dirty="0" smtClean="0"/>
+              <a:rPr lang="en-US" dirty="0" smtClean="0">
+                <a:solidFill>
+                  <a:srgbClr val="FFFF00"/>
+                </a:solidFill>
+              </a:rPr>
               <a:t>Portuguese failures/average</a:t>
             </a:r>
-            <a:endParaRPr lang="en-US" dirty="0"/>
+            <a:endParaRPr lang="en-US" dirty="0">
+              <a:solidFill>
+                <a:srgbClr val="FFFF00"/>
+              </a:solidFill>
+            </a:endParaRPr>
           </a:p>
         </p:txBody>
       </p:sp>
@@ -4136,151 +4492,6 @@
     <p:extLst>
       <p:ext uri="{BB962C8B-B14F-4D97-AF65-F5344CB8AC3E}">
         <p14:creationId xmlns:p14="http://schemas.microsoft.com/office/powerpoint/2010/main" val="222362628"/>
-      </p:ext>
-    </p:extLst>
-  </p:cSld>
-  <p:clrMapOvr>
-    <a:masterClrMapping/>
-  </p:clrMapOvr>
-</p:sld>
-</file>
-
-<file path=ppt/slides/slide18.xml><?xml version="1.0" encoding="utf-8"?>
-<p:sld xmlns:a="http://schemas.openxmlformats.org/drawingml/2006/main" xmlns:r="http://schemas.openxmlformats.org/officeDocument/2006/relationships" xmlns:p="http://schemas.openxmlformats.org/presentationml/2006/main">
-  <p:cSld>
-    <p:spTree>
-      <p:nvGrpSpPr>
-        <p:cNvPr id="1" name=""/>
-        <p:cNvGrpSpPr/>
-        <p:nvPr/>
-      </p:nvGrpSpPr>
-      <p:grpSpPr>
-        <a:xfrm>
-          <a:off x="0" y="0"/>
-          <a:ext cx="0" cy="0"/>
-          <a:chOff x="0" y="0"/>
-          <a:chExt cx="0" cy="0"/>
-        </a:xfrm>
-      </p:grpSpPr>
-      <p:sp>
-        <p:nvSpPr>
-          <p:cNvPr id="2" name="Title 1"/>
-          <p:cNvSpPr>
-            <a:spLocks noGrp="1"/>
-          </p:cNvSpPr>
-          <p:nvPr>
-            <p:ph type="title"/>
-          </p:nvPr>
-        </p:nvSpPr>
-        <p:spPr/>
-        <p:txBody>
-          <a:bodyPr/>
-          <a:lstStyle/>
-          <a:p>
-            <a:r>
-              <a:rPr lang="en-US" dirty="0" smtClean="0"/>
-              <a:t>Math – higher yes/average</a:t>
-            </a:r>
-            <a:endParaRPr lang="en-US" dirty="0"/>
-          </a:p>
-        </p:txBody>
-      </p:sp>
-      <p:pic>
-        <p:nvPicPr>
-          <p:cNvPr id="6" name="Content Placeholder 5"/>
-          <p:cNvPicPr>
-            <a:picLocks noGrp="1" noChangeAspect="1"/>
-          </p:cNvPicPr>
-          <p:nvPr>
-            <p:ph idx="1"/>
-          </p:nvPr>
-        </p:nvPicPr>
-        <p:blipFill rotWithShape="1">
-          <a:blip r:embed="rId2"/>
-          <a:srcRect t="3405" b="-2647"/>
-          <a:stretch/>
-        </p:blipFill>
-        <p:spPr>
-          <a:xfrm>
-            <a:off x="457200" y="1600200"/>
-            <a:ext cx="8229600" cy="4819907"/>
-          </a:xfrm>
-        </p:spPr>
-      </p:pic>
-    </p:spTree>
-    <p:extLst>
-      <p:ext uri="{BB962C8B-B14F-4D97-AF65-F5344CB8AC3E}">
-        <p14:creationId xmlns:p14="http://schemas.microsoft.com/office/powerpoint/2010/main" val="1315029976"/>
-      </p:ext>
-    </p:extLst>
-  </p:cSld>
-  <p:clrMapOvr>
-    <a:masterClrMapping/>
-  </p:clrMapOvr>
-</p:sld>
-</file>
-
-<file path=ppt/slides/slide19.xml><?xml version="1.0" encoding="utf-8"?>
-<p:sld xmlns:a="http://schemas.openxmlformats.org/drawingml/2006/main" xmlns:r="http://schemas.openxmlformats.org/officeDocument/2006/relationships" xmlns:p="http://schemas.openxmlformats.org/presentationml/2006/main">
-  <p:cSld>
-    <p:spTree>
-      <p:nvGrpSpPr>
-        <p:cNvPr id="1" name=""/>
-        <p:cNvGrpSpPr/>
-        <p:nvPr/>
-      </p:nvGrpSpPr>
-      <p:grpSpPr>
-        <a:xfrm>
-          <a:off x="0" y="0"/>
-          <a:ext cx="0" cy="0"/>
-          <a:chOff x="0" y="0"/>
-          <a:chExt cx="0" cy="0"/>
-        </a:xfrm>
-      </p:grpSpPr>
-      <p:sp>
-        <p:nvSpPr>
-          <p:cNvPr id="2" name="Title 1"/>
-          <p:cNvSpPr>
-            <a:spLocks noGrp="1"/>
-          </p:cNvSpPr>
-          <p:nvPr>
-            <p:ph type="title"/>
-          </p:nvPr>
-        </p:nvSpPr>
-        <p:spPr/>
-        <p:txBody>
-          <a:bodyPr/>
-          <a:lstStyle/>
-          <a:p>
-            <a:r>
-              <a:rPr lang="en-US" dirty="0" smtClean="0"/>
-              <a:t>Portuguese higher yes/average</a:t>
-            </a:r>
-            <a:endParaRPr lang="en-US" dirty="0"/>
-          </a:p>
-        </p:txBody>
-      </p:sp>
-      <p:pic>
-        <p:nvPicPr>
-          <p:cNvPr id="4" name="Content Placeholder 3"/>
-          <p:cNvPicPr>
-            <a:picLocks noGrp="1" noChangeAspect="1"/>
-          </p:cNvPicPr>
-          <p:nvPr>
-            <p:ph idx="1"/>
-          </p:nvPr>
-        </p:nvPicPr>
-        <p:blipFill rotWithShape="1">
-          <a:blip r:embed="rId2"/>
-          <a:srcRect t="1045" b="1045"/>
-          <a:stretch/>
-        </p:blipFill>
-        <p:spPr/>
-      </p:pic>
-    </p:spTree>
-    <p:extLst>
-      <p:ext uri="{BB962C8B-B14F-4D97-AF65-F5344CB8AC3E}">
-        <p14:creationId xmlns:p14="http://schemas.microsoft.com/office/powerpoint/2010/main" val="2596243824"/>
       </p:ext>
     </p:extLst>
   </p:cSld>
@@ -4627,60 +4838,53 @@
           <a:lstStyle/>
           <a:p>
             <a:r>
-              <a:rPr lang="en-US" dirty="0" smtClean="0"/>
-              <a:t>Next steps</a:t>
-            </a:r>
-            <a:endParaRPr lang="en-US" dirty="0"/>
-          </a:p>
-        </p:txBody>
-      </p:sp>
-      <p:sp>
-        <p:nvSpPr>
-          <p:cNvPr id="3" name="Content Placeholder 2"/>
-          <p:cNvSpPr>
-            <a:spLocks noGrp="1"/>
-          </p:cNvSpPr>
+              <a:rPr lang="en-US" dirty="0" smtClean="0">
+                <a:solidFill>
+                  <a:srgbClr val="FFFF00"/>
+                </a:solidFill>
+              </a:rPr>
+              <a:t>Math – higher yes/average</a:t>
+            </a:r>
+            <a:endParaRPr lang="en-US" dirty="0">
+              <a:solidFill>
+                <a:srgbClr val="FFFF00"/>
+              </a:solidFill>
+            </a:endParaRPr>
+          </a:p>
+        </p:txBody>
+      </p:sp>
+      <p:pic>
+        <p:nvPicPr>
+          <p:cNvPr id="6" name="Content Placeholder 5"/>
+          <p:cNvPicPr>
+            <a:picLocks noGrp="1" noChangeAspect="1"/>
+          </p:cNvPicPr>
           <p:nvPr>
             <p:ph idx="1"/>
           </p:nvPr>
-        </p:nvSpPr>
+        </p:nvPicPr>
+        <p:blipFill rotWithShape="1">
+          <a:blip r:embed="rId2"/>
+          <a:srcRect t="3405" b="-2647"/>
+          <a:stretch/>
+        </p:blipFill>
         <p:spPr>
           <a:xfrm>
-            <a:off x="457200" y="2283185"/>
-            <a:ext cx="8229600" cy="3842978"/>
+            <a:off x="457200" y="1600200"/>
+            <a:ext cx="8229600" cy="4819907"/>
           </a:xfrm>
         </p:spPr>
-        <p:txBody>
-          <a:bodyPr/>
-          <a:lstStyle/>
-          <a:p>
-            <a:r>
-              <a:rPr lang="en-US" dirty="0" smtClean="0"/>
-              <a:t>Converted all the categorical data to numeric using dummies for both the Math and Portuguese datasets so I can run the numeric data thru my model</a:t>
-            </a:r>
-          </a:p>
-          <a:p>
-            <a:endParaRPr lang="en-US" dirty="0"/>
-          </a:p>
-        </p:txBody>
-      </p:sp>
+      </p:pic>
     </p:spTree>
     <p:extLst>
       <p:ext uri="{BB962C8B-B14F-4D97-AF65-F5344CB8AC3E}">
-        <p14:creationId xmlns:p14="http://schemas.microsoft.com/office/powerpoint/2010/main" val="2709591790"/>
+        <p14:creationId xmlns:p14="http://schemas.microsoft.com/office/powerpoint/2010/main" val="1315029976"/>
       </p:ext>
     </p:extLst>
   </p:cSld>
   <p:clrMapOvr>
     <a:masterClrMapping/>
   </p:clrMapOvr>
-  <p:timing>
-    <p:tnLst>
-      <p:par>
-        <p:cTn xmlns:p14="http://schemas.microsoft.com/office/powerpoint/2010/main" id="1" dur="indefinite" restart="never" nodeType="tmRoot"/>
-      </p:par>
-    </p:tnLst>
-  </p:timing>
 </p:sld>
 </file>
 
@@ -4717,59 +4921,48 @@
           <a:lstStyle/>
           <a:p>
             <a:r>
-              <a:rPr lang="en-US" dirty="0" err="1" smtClean="0"/>
-              <a:t>Modelling</a:t>
-            </a:r>
-            <a:endParaRPr lang="en-US" dirty="0"/>
-          </a:p>
-        </p:txBody>
-      </p:sp>
-      <p:sp>
-        <p:nvSpPr>
-          <p:cNvPr id="3" name="Content Placeholder 2"/>
-          <p:cNvSpPr>
-            <a:spLocks noGrp="1"/>
-          </p:cNvSpPr>
+              <a:rPr lang="en-US" dirty="0" smtClean="0">
+                <a:solidFill>
+                  <a:srgbClr val="FFFF00"/>
+                </a:solidFill>
+              </a:rPr>
+              <a:t>Portuguese higher yes/average</a:t>
+            </a:r>
+            <a:endParaRPr lang="en-US" dirty="0">
+              <a:solidFill>
+                <a:srgbClr val="FFFF00"/>
+              </a:solidFill>
+            </a:endParaRPr>
+          </a:p>
+        </p:txBody>
+      </p:sp>
+      <p:pic>
+        <p:nvPicPr>
+          <p:cNvPr id="4" name="Content Placeholder 3"/>
+          <p:cNvPicPr>
+            <a:picLocks noGrp="1" noChangeAspect="1"/>
+          </p:cNvPicPr>
           <p:nvPr>
             <p:ph idx="1"/>
           </p:nvPr>
-        </p:nvSpPr>
+        </p:nvPicPr>
+        <p:blipFill rotWithShape="1">
+          <a:blip r:embed="rId2"/>
+          <a:srcRect t="1045" b="1045"/>
+          <a:stretch/>
+        </p:blipFill>
         <p:spPr/>
-        <p:txBody>
-          <a:bodyPr/>
-          <a:lstStyle/>
-          <a:p>
-            <a:r>
-              <a:rPr lang="en-US" dirty="0" smtClean="0"/>
-              <a:t>Lasso regression model used </a:t>
-            </a:r>
-          </a:p>
-          <a:p>
-            <a:r>
-              <a:rPr lang="en-US" dirty="0" err="1" smtClean="0"/>
-              <a:t>xxxxx</a:t>
-            </a:r>
-            <a:endParaRPr lang="en-US" dirty="0"/>
-          </a:p>
-        </p:txBody>
-      </p:sp>
+      </p:pic>
     </p:spTree>
     <p:extLst>
       <p:ext uri="{BB962C8B-B14F-4D97-AF65-F5344CB8AC3E}">
-        <p14:creationId xmlns:p14="http://schemas.microsoft.com/office/powerpoint/2010/main" val="221827066"/>
+        <p14:creationId xmlns:p14="http://schemas.microsoft.com/office/powerpoint/2010/main" val="2596243824"/>
       </p:ext>
     </p:extLst>
   </p:cSld>
   <p:clrMapOvr>
     <a:masterClrMapping/>
   </p:clrMapOvr>
-  <p:timing>
-    <p:tnLst>
-      <p:par>
-        <p:cTn xmlns:p14="http://schemas.microsoft.com/office/powerpoint/2010/main" id="1" dur="indefinite" restart="never" nodeType="tmRoot"/>
-      </p:par>
-    </p:tnLst>
-  </p:timing>
 </p:sld>
 </file>
 
@@ -4807,7 +5000,7 @@
           <a:p>
             <a:r>
               <a:rPr lang="en-US" dirty="0" smtClean="0"/>
-              <a:t>Lasso regression model </a:t>
+              <a:t>Lasso Regularization</a:t>
             </a:r>
             <a:endParaRPr lang="en-US" dirty="0"/>
           </a:p>
@@ -4825,52 +5018,22 @@
         </p:nvSpPr>
         <p:spPr/>
         <p:txBody>
-          <a:bodyPr>
-            <a:normAutofit/>
-          </a:bodyPr>
-          <a:lstStyle/>
-          <a:p>
-            <a:endParaRPr lang="en-US" dirty="0" smtClean="0"/>
-          </a:p>
-          <a:p>
-            <a:r>
-              <a:rPr lang="en-US" dirty="0"/>
-              <a:t>Along with shrinking coefficients, lasso performs feature </a:t>
-            </a:r>
+          <a:bodyPr/>
+          <a:lstStyle/>
+          <a:p>
             <a:r>
               <a:rPr lang="en-US" dirty="0" smtClean="0"/>
-              <a:t>selection</a:t>
-            </a:r>
-          </a:p>
-          <a:p>
-            <a:r>
-              <a:rPr lang="en-US" dirty="0"/>
-              <a:t>S</a:t>
-            </a:r>
+              <a:t>Lasso regularization is useful if we think many of the features are irrelevant, since a feature with a zero coefficient is essentially removed from the model</a:t>
+            </a:r>
+          </a:p>
+          <a:p>
+            <a:endParaRPr lang="en-US" dirty="0"/>
+          </a:p>
+          <a:p>
             <a:r>
               <a:rPr lang="en-US" dirty="0" smtClean="0"/>
-              <a:t>ome </a:t>
-            </a:r>
-            <a:r>
-              <a:rPr lang="en-US" dirty="0"/>
-              <a:t>of the coefficients become exactly zero, which is equivalent to the particular feature being excluded from the model</a:t>
-            </a:r>
-            <a:r>
-              <a:rPr lang="en-US" dirty="0" smtClean="0"/>
-              <a:t>.</a:t>
-            </a:r>
-          </a:p>
-          <a:p>
-            <a:endParaRPr lang="en-US" dirty="0"/>
-          </a:p>
-          <a:p>
-            <a:endParaRPr lang="en-US" dirty="0" smtClean="0"/>
-          </a:p>
-          <a:p>
-            <a:endParaRPr lang="en-US" dirty="0"/>
-          </a:p>
-          <a:p>
-            <a:endParaRPr lang="en-US" dirty="0" smtClean="0"/>
+              <a:t>This makes Lasso regularization a good technique for feature selection</a:t>
+            </a:r>
           </a:p>
           <a:p>
             <a:endParaRPr lang="en-US" dirty="0"/>
@@ -4880,7 +5043,7 @@
     </p:spTree>
     <p:extLst>
       <p:ext uri="{BB962C8B-B14F-4D97-AF65-F5344CB8AC3E}">
-        <p14:creationId xmlns:p14="http://schemas.microsoft.com/office/powerpoint/2010/main" val="204089084"/>
+        <p14:creationId xmlns:p14="http://schemas.microsoft.com/office/powerpoint/2010/main" val="82668750"/>
       </p:ext>
     </p:extLst>
   </p:cSld>
@@ -4931,7 +5094,7 @@
           <a:p>
             <a:r>
               <a:rPr lang="en-US" dirty="0" smtClean="0"/>
-              <a:t>Lasso Regularization</a:t>
+              <a:t>Lasso regression model </a:t>
             </a:r>
             <a:endParaRPr lang="en-US" dirty="0"/>
           </a:p>
@@ -4949,26 +5112,51 @@
         </p:nvSpPr>
         <p:spPr/>
         <p:txBody>
-          <a:bodyPr/>
-          <a:lstStyle/>
-          <a:p>
+          <a:bodyPr>
+            <a:normAutofit/>
+          </a:bodyPr>
+          <a:lstStyle/>
+          <a:p>
+            <a:endParaRPr lang="en-US" dirty="0" smtClean="0"/>
+          </a:p>
+          <a:p>
+            <a:r>
+              <a:rPr lang="en-US" dirty="0"/>
+              <a:t>Along with shrinking coefficients, lasso performs feature </a:t>
+            </a:r>
             <a:r>
               <a:rPr lang="en-US" dirty="0" smtClean="0"/>
-              <a:t>Lasso regularization is useful if we think many of the features are irrelevant, since a feature </a:t>
+              <a:t>selection</a:t>
+            </a:r>
+          </a:p>
+          <a:p>
+            <a:r>
+              <a:rPr lang="en-US" dirty="0"/>
+              <a:t>S</a:t>
             </a:r>
             <a:r>
               <a:rPr lang="en-US" dirty="0" smtClean="0"/>
-              <a:t>with a zero coefficient is essentially removed from the model</a:t>
+              <a:t>ome </a:t>
+            </a:r>
+            <a:r>
+              <a:rPr lang="en-US" dirty="0"/>
+              <a:t>of the coefficients become exactly zero, which is equivalent to the particular feature being excluded from the model</a:t>
+            </a:r>
+            <a:r>
+              <a:rPr lang="en-US" dirty="0" smtClean="0"/>
+              <a:t>.</a:t>
             </a:r>
           </a:p>
           <a:p>
             <a:endParaRPr lang="en-US" dirty="0"/>
           </a:p>
           <a:p>
-            <a:r>
-              <a:rPr lang="en-US" dirty="0" smtClean="0"/>
-              <a:t>This makes Lasso regularization a good technique for feature selection</a:t>
-            </a:r>
+            <a:endParaRPr lang="en-US" dirty="0" smtClean="0"/>
+          </a:p>
+          <a:p>
+            <a:endParaRPr lang="en-US" dirty="0"/>
+          </a:p>
+          <a:p>
             <a:endParaRPr lang="en-US" dirty="0" smtClean="0"/>
           </a:p>
           <a:p>
@@ -4979,7 +5167,7 @@
     </p:spTree>
     <p:extLst>
       <p:ext uri="{BB962C8B-B14F-4D97-AF65-F5344CB8AC3E}">
-        <p14:creationId xmlns:p14="http://schemas.microsoft.com/office/powerpoint/2010/main" val="82668750"/>
+        <p14:creationId xmlns:p14="http://schemas.microsoft.com/office/powerpoint/2010/main" val="204089084"/>
       </p:ext>
     </p:extLst>
   </p:cSld>
@@ -5120,24 +5308,48 @@
           <a:lstStyle/>
           <a:p>
             <a:r>
-              <a:rPr lang="en-US" sz="3200" dirty="0" smtClean="0"/>
+              <a:rPr lang="en-US" sz="3200" dirty="0" smtClean="0">
+                <a:solidFill>
+                  <a:srgbClr val="FFFF00"/>
+                </a:solidFill>
+              </a:rPr>
               <a:t>Math: 0.0 coefficients not included in the </a:t>
             </a:r>
             <a:r>
-              <a:rPr lang="en-US" sz="3600" dirty="0" smtClean="0"/>
+              <a:rPr lang="en-US" sz="3600" dirty="0" smtClean="0">
+                <a:solidFill>
+                  <a:srgbClr val="FFFF00"/>
+                </a:solidFill>
+              </a:rPr>
               <a:t>model</a:t>
             </a:r>
             <a:br>
-              <a:rPr lang="en-US" sz="3600" dirty="0" smtClean="0"/>
+              <a:rPr lang="en-US" sz="3600" dirty="0" smtClean="0">
+                <a:solidFill>
+                  <a:srgbClr val="FFFF00"/>
+                </a:solidFill>
+              </a:rPr>
             </a:br>
             <a:r>
-              <a:rPr lang="en-US" sz="3600" dirty="0" smtClean="0"/>
+              <a:rPr lang="en-US" sz="3600" dirty="0" smtClean="0">
+                <a:solidFill>
+                  <a:srgbClr val="FFFF00"/>
+                </a:solidFill>
+              </a:rPr>
               <a:t>features excluded</a:t>
             </a:r>
             <a:br>
-              <a:rPr lang="en-US" sz="3600" dirty="0" smtClean="0"/>
+              <a:rPr lang="en-US" sz="3600" dirty="0" smtClean="0">
+                <a:solidFill>
+                  <a:srgbClr val="FFFF00"/>
+                </a:solidFill>
+              </a:rPr>
             </a:br>
-            <a:endParaRPr lang="en-US" sz="3600" dirty="0"/>
+            <a:endParaRPr lang="en-US" sz="3600" dirty="0">
+              <a:solidFill>
+                <a:srgbClr val="FFFF00"/>
+              </a:solidFill>
+            </a:endParaRPr>
           </a:p>
         </p:txBody>
       </p:sp>
@@ -5190,93 +5402,161 @@
           <a:lstStyle/>
           <a:p>
             <a:r>
-              <a:rPr lang="en-US" sz="2000" dirty="0" smtClean="0"/>
+              <a:rPr lang="en-US" sz="2000" dirty="0" smtClean="0">
+                <a:solidFill>
+                  <a:srgbClr val="FFFF00"/>
+                </a:solidFill>
+              </a:rPr>
               <a:t>Internet = y or n</a:t>
             </a:r>
           </a:p>
           <a:p>
             <a:r>
-              <a:rPr lang="en-US" sz="2000" dirty="0" smtClean="0"/>
+              <a:rPr lang="en-US" sz="2000" dirty="0" smtClean="0">
+                <a:solidFill>
+                  <a:srgbClr val="FFFF00"/>
+                </a:solidFill>
+              </a:rPr>
               <a:t>Nursery = y or n</a:t>
             </a:r>
           </a:p>
           <a:p>
             <a:r>
-              <a:rPr lang="en-US" sz="2000" dirty="0" smtClean="0"/>
+              <a:rPr lang="en-US" sz="2000" dirty="0" smtClean="0">
+                <a:solidFill>
+                  <a:srgbClr val="FFFF00"/>
+                </a:solidFill>
+              </a:rPr>
               <a:t>Activities = y or n</a:t>
             </a:r>
           </a:p>
           <a:p>
             <a:r>
-              <a:rPr lang="en-US" sz="2000" dirty="0" smtClean="0"/>
+              <a:rPr lang="en-US" sz="2000" dirty="0" smtClean="0">
+                <a:solidFill>
+                  <a:srgbClr val="FFFF00"/>
+                </a:solidFill>
+              </a:rPr>
               <a:t>Paid = y or n</a:t>
             </a:r>
           </a:p>
           <a:p>
             <a:r>
-              <a:rPr lang="en-US" sz="2000" dirty="0" err="1" smtClean="0"/>
+              <a:rPr lang="en-US" sz="2000" dirty="0" err="1" smtClean="0">
+                <a:solidFill>
+                  <a:srgbClr val="FFFF00"/>
+                </a:solidFill>
+              </a:rPr>
               <a:t>Famsup</a:t>
             </a:r>
             <a:r>
-              <a:rPr lang="en-US" sz="2000" dirty="0" smtClean="0"/>
+              <a:rPr lang="en-US" sz="2000" dirty="0" smtClean="0">
+                <a:solidFill>
+                  <a:srgbClr val="FFFF00"/>
+                </a:solidFill>
+              </a:rPr>
               <a:t> = y</a:t>
             </a:r>
           </a:p>
           <a:p>
             <a:r>
-              <a:rPr lang="en-US" sz="2000" dirty="0" err="1" smtClean="0"/>
+              <a:rPr lang="en-US" sz="2000" dirty="0" err="1" smtClean="0">
+                <a:solidFill>
+                  <a:srgbClr val="FFFF00"/>
+                </a:solidFill>
+              </a:rPr>
               <a:t>Schoolsup</a:t>
             </a:r>
             <a:r>
-              <a:rPr lang="en-US" sz="2000" dirty="0" smtClean="0"/>
+              <a:rPr lang="en-US" sz="2000" dirty="0" smtClean="0">
+                <a:solidFill>
+                  <a:srgbClr val="FFFF00"/>
+                </a:solidFill>
+              </a:rPr>
               <a:t> = y</a:t>
             </a:r>
           </a:p>
           <a:p>
             <a:r>
-              <a:rPr lang="en-US" sz="2000" dirty="0" smtClean="0"/>
+              <a:rPr lang="en-US" sz="2000" dirty="0" smtClean="0">
+                <a:solidFill>
+                  <a:srgbClr val="FFFF00"/>
+                </a:solidFill>
+              </a:rPr>
               <a:t>Absences</a:t>
             </a:r>
           </a:p>
           <a:p>
             <a:r>
-              <a:rPr lang="en-US" sz="2000" dirty="0" smtClean="0"/>
+              <a:rPr lang="en-US" sz="2000" dirty="0" smtClean="0">
+                <a:solidFill>
+                  <a:srgbClr val="FFFF00"/>
+                </a:solidFill>
+              </a:rPr>
               <a:t>School = MS or GP</a:t>
             </a:r>
           </a:p>
           <a:p>
             <a:r>
-              <a:rPr lang="en-US" sz="2000" dirty="0" smtClean="0"/>
+              <a:rPr lang="en-US" sz="2000" dirty="0" smtClean="0">
+                <a:solidFill>
+                  <a:srgbClr val="FFFF00"/>
+                </a:solidFill>
+              </a:rPr>
               <a:t>Address = U or R</a:t>
             </a:r>
           </a:p>
           <a:p>
             <a:r>
-              <a:rPr lang="en-US" sz="2000" dirty="0" err="1" smtClean="0"/>
+              <a:rPr lang="en-US" sz="2000" dirty="0" err="1" smtClean="0">
+                <a:solidFill>
+                  <a:srgbClr val="FFFF00"/>
+                </a:solidFill>
+              </a:rPr>
               <a:t>Famsize</a:t>
             </a:r>
             <a:r>
-              <a:rPr lang="en-US" sz="2000" dirty="0" smtClean="0"/>
+              <a:rPr lang="en-US" sz="2000" dirty="0" smtClean="0">
+                <a:solidFill>
+                  <a:srgbClr val="FFFF00"/>
+                </a:solidFill>
+              </a:rPr>
               <a:t> LE 3</a:t>
             </a:r>
           </a:p>
           <a:p>
             <a:r>
-              <a:rPr lang="en-US" sz="2000" dirty="0" err="1" smtClean="0"/>
+              <a:rPr lang="en-US" sz="2000" dirty="0" err="1" smtClean="0">
+                <a:solidFill>
+                  <a:srgbClr val="FFFF00"/>
+                </a:solidFill>
+              </a:rPr>
               <a:t>Pstatus</a:t>
             </a:r>
             <a:r>
-              <a:rPr lang="en-US" sz="2000" dirty="0" smtClean="0"/>
+              <a:rPr lang="en-US" sz="2000" dirty="0" smtClean="0">
+                <a:solidFill>
+                  <a:srgbClr val="FFFF00"/>
+                </a:solidFill>
+              </a:rPr>
               <a:t> = A or T</a:t>
             </a:r>
           </a:p>
           <a:p>
             <a:r>
-              <a:rPr lang="en-US" sz="2000" dirty="0" err="1" smtClean="0"/>
+              <a:rPr lang="en-US" sz="2000" dirty="0" err="1" smtClean="0">
+                <a:solidFill>
+                  <a:srgbClr val="FFFF00"/>
+                </a:solidFill>
+              </a:rPr>
               <a:t>Mjob</a:t>
             </a:r>
             <a:r>
-              <a:rPr lang="en-US" sz="2000" dirty="0" smtClean="0"/>
+              <a:rPr lang="en-US" sz="2000" dirty="0" smtClean="0">
+                <a:solidFill>
+                  <a:srgbClr val="FFFF00"/>
+                </a:solidFill>
+              </a:rPr>
               <a:t>=home or teacher</a:t>
             </a:r>
           </a:p>
@@ -5334,70 +5614,134 @@
           <a:lstStyle/>
           <a:p>
             <a:r>
-              <a:rPr lang="en-US" sz="2000" dirty="0" smtClean="0"/>
+              <a:rPr lang="en-US" sz="2000" dirty="0" smtClean="0">
+                <a:solidFill>
+                  <a:srgbClr val="FFFF00"/>
+                </a:solidFill>
+              </a:rPr>
               <a:t>Sex = male</a:t>
             </a:r>
           </a:p>
           <a:p>
             <a:r>
-              <a:rPr lang="en-US" sz="2000" dirty="0" smtClean="0"/>
+              <a:rPr lang="en-US" sz="2000" dirty="0" smtClean="0">
+                <a:solidFill>
+                  <a:srgbClr val="FFFF00"/>
+                </a:solidFill>
+              </a:rPr>
               <a:t>Higher = yes</a:t>
             </a:r>
           </a:p>
           <a:p>
             <a:r>
-              <a:rPr lang="en-US" sz="2000" dirty="0" smtClean="0"/>
+              <a:rPr lang="en-US" sz="2000" dirty="0" smtClean="0">
+                <a:solidFill>
+                  <a:srgbClr val="FFFF00"/>
+                </a:solidFill>
+              </a:rPr>
               <a:t>Romantic = yes</a:t>
             </a:r>
           </a:p>
           <a:p>
             <a:r>
-              <a:rPr lang="en-US" sz="2000" dirty="0" err="1" smtClean="0"/>
+              <a:rPr lang="en-US" sz="2000" dirty="0" err="1" smtClean="0">
+                <a:solidFill>
+                  <a:srgbClr val="FFFF00"/>
+                </a:solidFill>
+              </a:rPr>
               <a:t>Fedu</a:t>
             </a:r>
-            <a:endParaRPr lang="en-US" sz="2000" dirty="0" smtClean="0"/>
-          </a:p>
-          <a:p>
-            <a:r>
-              <a:rPr lang="en-US" sz="2000" dirty="0" err="1" smtClean="0"/>
+            <a:endParaRPr lang="en-US" sz="2000" dirty="0" smtClean="0">
+              <a:solidFill>
+                <a:srgbClr val="FFFF00"/>
+              </a:solidFill>
+            </a:endParaRPr>
+          </a:p>
+          <a:p>
+            <a:r>
+              <a:rPr lang="en-US" sz="2000" dirty="0" err="1" smtClean="0">
+                <a:solidFill>
+                  <a:srgbClr val="FFFF00"/>
+                </a:solidFill>
+              </a:rPr>
               <a:t>Famrel</a:t>
             </a:r>
-            <a:endParaRPr lang="en-US" sz="2000" dirty="0" smtClean="0"/>
-          </a:p>
-          <a:p>
-            <a:r>
-              <a:rPr lang="en-US" sz="2000" dirty="0" err="1" smtClean="0"/>
+            <a:endParaRPr lang="en-US" sz="2000" dirty="0" smtClean="0">
+              <a:solidFill>
+                <a:srgbClr val="FFFF00"/>
+              </a:solidFill>
+            </a:endParaRPr>
+          </a:p>
+          <a:p>
+            <a:r>
+              <a:rPr lang="en-US" sz="2000" dirty="0" err="1" smtClean="0">
+                <a:solidFill>
+                  <a:srgbClr val="FFFF00"/>
+                </a:solidFill>
+              </a:rPr>
               <a:t>Freetime</a:t>
             </a:r>
-            <a:endParaRPr lang="en-US" sz="2000" dirty="0" smtClean="0"/>
-          </a:p>
-          <a:p>
-            <a:r>
-              <a:rPr lang="en-US" sz="2000" dirty="0" err="1" smtClean="0"/>
+            <a:endParaRPr lang="en-US" sz="2000" dirty="0" smtClean="0">
+              <a:solidFill>
+                <a:srgbClr val="FFFF00"/>
+              </a:solidFill>
+            </a:endParaRPr>
+          </a:p>
+          <a:p>
+            <a:r>
+              <a:rPr lang="en-US" sz="2000" dirty="0" err="1" smtClean="0">
+                <a:solidFill>
+                  <a:srgbClr val="FFFF00"/>
+                </a:solidFill>
+              </a:rPr>
               <a:t>Dalc</a:t>
             </a:r>
-            <a:endParaRPr lang="en-US" sz="2000" dirty="0" smtClean="0"/>
-          </a:p>
-          <a:p>
-            <a:r>
-              <a:rPr lang="en-US" sz="2000" dirty="0" err="1" smtClean="0"/>
+            <a:endParaRPr lang="en-US" sz="2000" dirty="0" smtClean="0">
+              <a:solidFill>
+                <a:srgbClr val="FFFF00"/>
+              </a:solidFill>
+            </a:endParaRPr>
+          </a:p>
+          <a:p>
+            <a:r>
+              <a:rPr lang="en-US" sz="2000" dirty="0" err="1" smtClean="0">
+                <a:solidFill>
+                  <a:srgbClr val="FFFF00"/>
+                </a:solidFill>
+              </a:rPr>
               <a:t>Walc</a:t>
             </a:r>
-            <a:endParaRPr lang="en-US" sz="2000" dirty="0" smtClean="0"/>
-          </a:p>
-          <a:p>
-            <a:r>
-              <a:rPr lang="en-US" sz="2000" dirty="0" smtClean="0"/>
+            <a:endParaRPr lang="en-US" sz="2000" dirty="0" smtClean="0">
+              <a:solidFill>
+                <a:srgbClr val="FFFF00"/>
+              </a:solidFill>
+            </a:endParaRPr>
+          </a:p>
+          <a:p>
+            <a:r>
+              <a:rPr lang="en-US" sz="2000" dirty="0" smtClean="0">
+                <a:solidFill>
+                  <a:srgbClr val="FFFF00"/>
+                </a:solidFill>
+              </a:rPr>
               <a:t>Health</a:t>
             </a:r>
           </a:p>
           <a:p>
             <a:r>
-              <a:rPr lang="en-US" sz="2000" dirty="0" err="1" smtClean="0"/>
+              <a:rPr lang="en-US" sz="2000" dirty="0" err="1" smtClean="0">
+                <a:solidFill>
+                  <a:srgbClr val="FFFF00"/>
+                </a:solidFill>
+              </a:rPr>
               <a:t>Fjob</a:t>
             </a:r>
             <a:r>
-              <a:rPr lang="en-US" sz="2000" dirty="0" smtClean="0"/>
+              <a:rPr lang="en-US" sz="2000" dirty="0" smtClean="0">
+                <a:solidFill>
+                  <a:srgbClr val="FFFF00"/>
+                </a:solidFill>
+              </a:rPr>
               <a:t>=home, health, other</a:t>
             </a:r>
           </a:p>
@@ -5459,10 +5803,18 @@
           <a:lstStyle/>
           <a:p>
             <a:r>
-              <a:rPr lang="en-US" dirty="0" smtClean="0"/>
+              <a:rPr lang="en-US" dirty="0" smtClean="0">
+                <a:solidFill>
+                  <a:srgbClr val="FFFF00"/>
+                </a:solidFill>
+              </a:rPr>
               <a:t>Math Features selected </a:t>
             </a:r>
-            <a:endParaRPr lang="en-US" dirty="0"/>
+            <a:endParaRPr lang="en-US" dirty="0">
+              <a:solidFill>
+                <a:srgbClr val="FFFF00"/>
+              </a:solidFill>
+            </a:endParaRPr>
           </a:p>
         </p:txBody>
       </p:sp>
@@ -5484,89 +5836,161 @@
           <a:lstStyle/>
           <a:p>
             <a:r>
-              <a:rPr lang="en-US" sz="2400" dirty="0" smtClean="0"/>
+              <a:rPr lang="en-US" sz="2400" dirty="0" smtClean="0">
+                <a:solidFill>
+                  <a:srgbClr val="FFFF00"/>
+                </a:solidFill>
+              </a:rPr>
               <a:t>Higher = no</a:t>
             </a:r>
           </a:p>
           <a:p>
             <a:r>
-              <a:rPr lang="en-US" sz="2400" dirty="0" smtClean="0"/>
+              <a:rPr lang="en-US" sz="2400" dirty="0" smtClean="0">
+                <a:solidFill>
+                  <a:srgbClr val="FFFF00"/>
+                </a:solidFill>
+              </a:rPr>
               <a:t>Failures</a:t>
             </a:r>
           </a:p>
           <a:p>
             <a:r>
-              <a:rPr lang="en-US" sz="2400" dirty="0" err="1" smtClean="0"/>
+              <a:rPr lang="en-US" sz="2400" dirty="0" err="1" smtClean="0">
+                <a:solidFill>
+                  <a:srgbClr val="FFFF00"/>
+                </a:solidFill>
+              </a:rPr>
               <a:t>Schoolsup</a:t>
             </a:r>
             <a:r>
-              <a:rPr lang="en-US" sz="2400" dirty="0" smtClean="0"/>
+              <a:rPr lang="en-US" sz="2400" dirty="0" smtClean="0">
+                <a:solidFill>
+                  <a:srgbClr val="FFFF00"/>
+                </a:solidFill>
+              </a:rPr>
               <a:t> = no </a:t>
             </a:r>
           </a:p>
           <a:p>
             <a:r>
-              <a:rPr lang="en-US" sz="2400" dirty="0" err="1" smtClean="0"/>
+              <a:rPr lang="en-US" sz="2400" dirty="0" err="1" smtClean="0">
+                <a:solidFill>
+                  <a:srgbClr val="FFFF00"/>
+                </a:solidFill>
+              </a:rPr>
               <a:t>Mjob</a:t>
             </a:r>
             <a:r>
-              <a:rPr lang="en-US" sz="2400" dirty="0" smtClean="0"/>
+              <a:rPr lang="en-US" sz="2400" dirty="0" smtClean="0">
+                <a:solidFill>
+                  <a:srgbClr val="FFFF00"/>
+                </a:solidFill>
+              </a:rPr>
               <a:t>= </a:t>
             </a:r>
             <a:r>
-              <a:rPr lang="en-US" sz="2400" dirty="0" err="1" smtClean="0"/>
+              <a:rPr lang="en-US" sz="2400" dirty="0" err="1" smtClean="0">
+                <a:solidFill>
+                  <a:srgbClr val="FFFF00"/>
+                </a:solidFill>
+              </a:rPr>
               <a:t>health,services</a:t>
             </a:r>
-            <a:endParaRPr lang="en-US" sz="2400" dirty="0" smtClean="0"/>
-          </a:p>
-          <a:p>
-            <a:r>
-              <a:rPr lang="en-US" sz="2400" dirty="0" err="1" smtClean="0"/>
+            <a:endParaRPr lang="en-US" sz="2400" dirty="0" smtClean="0">
+              <a:solidFill>
+                <a:srgbClr val="FFFF00"/>
+              </a:solidFill>
+            </a:endParaRPr>
+          </a:p>
+          <a:p>
+            <a:r>
+              <a:rPr lang="en-US" sz="2400" dirty="0" err="1" smtClean="0">
+                <a:solidFill>
+                  <a:srgbClr val="FFFF00"/>
+                </a:solidFill>
+              </a:rPr>
               <a:t>Fjob</a:t>
             </a:r>
             <a:r>
-              <a:rPr lang="en-US" sz="2400" dirty="0" smtClean="0"/>
+              <a:rPr lang="en-US" sz="2400" dirty="0" smtClean="0">
+                <a:solidFill>
+                  <a:srgbClr val="FFFF00"/>
+                </a:solidFill>
+              </a:rPr>
               <a:t> = teacher</a:t>
             </a:r>
           </a:p>
           <a:p>
             <a:r>
-              <a:rPr lang="en-US" sz="2400" dirty="0" smtClean="0"/>
+              <a:rPr lang="en-US" sz="2400" dirty="0" smtClean="0">
+                <a:solidFill>
+                  <a:srgbClr val="FFFF00"/>
+                </a:solidFill>
+              </a:rPr>
               <a:t>Romantic = no</a:t>
             </a:r>
           </a:p>
           <a:p>
             <a:r>
-              <a:rPr lang="en-US" sz="2400" dirty="0" err="1" smtClean="0"/>
+              <a:rPr lang="en-US" sz="2400" dirty="0" err="1" smtClean="0">
+                <a:solidFill>
+                  <a:srgbClr val="FFFF00"/>
+                </a:solidFill>
+              </a:rPr>
               <a:t>Famsize</a:t>
             </a:r>
             <a:r>
-              <a:rPr lang="en-US" sz="2400" dirty="0" smtClean="0"/>
+              <a:rPr lang="en-US" sz="2400" dirty="0" smtClean="0">
+                <a:solidFill>
+                  <a:srgbClr val="FFFF00"/>
+                </a:solidFill>
+              </a:rPr>
               <a:t> GT 3</a:t>
             </a:r>
           </a:p>
           <a:p>
             <a:r>
-              <a:rPr lang="en-US" sz="2400" dirty="0" smtClean="0"/>
+              <a:rPr lang="en-US" sz="2400" dirty="0" smtClean="0">
+                <a:solidFill>
+                  <a:srgbClr val="FFFF00"/>
+                </a:solidFill>
+              </a:rPr>
               <a:t>Sex = Female </a:t>
             </a:r>
           </a:p>
           <a:p>
             <a:r>
-              <a:rPr lang="en-US" sz="2400" dirty="0" err="1" smtClean="0"/>
+              <a:rPr lang="en-US" sz="2400" dirty="0" err="1" smtClean="0">
+                <a:solidFill>
+                  <a:srgbClr val="FFFF00"/>
+                </a:solidFill>
+              </a:rPr>
               <a:t>Famsup</a:t>
             </a:r>
             <a:r>
-              <a:rPr lang="en-US" sz="2400" dirty="0" smtClean="0"/>
+              <a:rPr lang="en-US" sz="2400" dirty="0" smtClean="0">
+                <a:solidFill>
+                  <a:srgbClr val="FFFF00"/>
+                </a:solidFill>
+              </a:rPr>
               <a:t> = no</a:t>
             </a:r>
           </a:p>
           <a:p>
             <a:r>
-              <a:rPr lang="en-US" sz="2400" dirty="0" err="1" smtClean="0"/>
+              <a:rPr lang="en-US" sz="2400" dirty="0" err="1" smtClean="0">
+                <a:solidFill>
+                  <a:srgbClr val="FFFF00"/>
+                </a:solidFill>
+              </a:rPr>
               <a:t>traveltime</a:t>
             </a:r>
-            <a:endParaRPr lang="en-US" sz="2400" dirty="0" smtClean="0"/>
+            <a:endParaRPr lang="en-US" sz="2400" dirty="0" smtClean="0">
+              <a:solidFill>
+                <a:srgbClr val="FFFF00"/>
+              </a:solidFill>
+            </a:endParaRPr>
           </a:p>
           <a:p>
             <a:endParaRPr lang="en-US" dirty="0"/>
@@ -5597,56 +6021,104 @@
           </a:p>
           <a:p>
             <a:r>
-              <a:rPr lang="en-US" sz="2400" dirty="0" smtClean="0"/>
+              <a:rPr lang="en-US" sz="2400" dirty="0" smtClean="0">
+                <a:solidFill>
+                  <a:srgbClr val="FFFF00"/>
+                </a:solidFill>
+              </a:rPr>
               <a:t>Reason = course</a:t>
             </a:r>
           </a:p>
           <a:p>
             <a:r>
-              <a:rPr lang="en-US" sz="2400" dirty="0" err="1" smtClean="0"/>
+              <a:rPr lang="en-US" sz="2400" dirty="0" err="1" smtClean="0">
+                <a:solidFill>
+                  <a:srgbClr val="FFFF00"/>
+                </a:solidFill>
+              </a:rPr>
               <a:t>Studytime</a:t>
             </a:r>
-            <a:endParaRPr lang="en-US" sz="2400" dirty="0" smtClean="0"/>
-          </a:p>
-          <a:p>
-            <a:r>
-              <a:rPr lang="en-US" sz="2400" dirty="0" err="1" smtClean="0"/>
+            <a:endParaRPr lang="en-US" sz="2400" dirty="0" smtClean="0">
+              <a:solidFill>
+                <a:srgbClr val="FFFF00"/>
+              </a:solidFill>
+            </a:endParaRPr>
+          </a:p>
+          <a:p>
+            <a:r>
+              <a:rPr lang="en-US" sz="2400" dirty="0" err="1" smtClean="0">
+                <a:solidFill>
+                  <a:srgbClr val="FFFF00"/>
+                </a:solidFill>
+              </a:rPr>
               <a:t>Medu</a:t>
             </a:r>
-            <a:endParaRPr lang="en-US" sz="2400" dirty="0" smtClean="0"/>
-          </a:p>
-          <a:p>
-            <a:r>
-              <a:rPr lang="en-US" sz="2400" dirty="0" err="1" smtClean="0"/>
+            <a:endParaRPr lang="en-US" sz="2400" dirty="0" smtClean="0">
+              <a:solidFill>
+                <a:srgbClr val="FFFF00"/>
+              </a:solidFill>
+            </a:endParaRPr>
+          </a:p>
+          <a:p>
+            <a:r>
+              <a:rPr lang="en-US" sz="2400" dirty="0" err="1" smtClean="0">
+                <a:solidFill>
+                  <a:srgbClr val="FFFF00"/>
+                </a:solidFill>
+              </a:rPr>
               <a:t>Mjob</a:t>
             </a:r>
             <a:r>
-              <a:rPr lang="en-US" sz="2400" dirty="0" smtClean="0"/>
+              <a:rPr lang="en-US" sz="2400" dirty="0" smtClean="0">
+                <a:solidFill>
+                  <a:srgbClr val="FFFF00"/>
+                </a:solidFill>
+              </a:rPr>
               <a:t> = other</a:t>
             </a:r>
           </a:p>
           <a:p>
             <a:r>
-              <a:rPr lang="en-US" sz="2400" dirty="0" smtClean="0"/>
+              <a:rPr lang="en-US" sz="2400" dirty="0" smtClean="0">
+                <a:solidFill>
+                  <a:srgbClr val="FFFF00"/>
+                </a:solidFill>
+              </a:rPr>
               <a:t>Age</a:t>
             </a:r>
           </a:p>
           <a:p>
             <a:r>
-              <a:rPr lang="en-US" sz="2400" dirty="0" err="1" smtClean="0"/>
+              <a:rPr lang="en-US" sz="2400" dirty="0" err="1" smtClean="0">
+                <a:solidFill>
+                  <a:srgbClr val="FFFF00"/>
+                </a:solidFill>
+              </a:rPr>
               <a:t>Goout</a:t>
             </a:r>
-            <a:endParaRPr lang="en-US" sz="2400" dirty="0" smtClean="0"/>
-          </a:p>
-          <a:p>
-            <a:r>
-              <a:rPr lang="en-US" sz="2400" dirty="0" smtClean="0"/>
+            <a:endParaRPr lang="en-US" sz="2400" dirty="0" smtClean="0">
+              <a:solidFill>
+                <a:srgbClr val="FFFF00"/>
+              </a:solidFill>
+            </a:endParaRPr>
+          </a:p>
+          <a:p>
+            <a:r>
+              <a:rPr lang="en-US" sz="2400" dirty="0" smtClean="0">
+                <a:solidFill>
+                  <a:srgbClr val="FFFF00"/>
+                </a:solidFill>
+              </a:rPr>
               <a:t>Reason = reputation</a:t>
             </a:r>
           </a:p>
           <a:p>
             <a:r>
-              <a:rPr lang="en-US" sz="2400" dirty="0" smtClean="0"/>
+              <a:rPr lang="en-US" sz="2400" dirty="0" smtClean="0">
+                <a:solidFill>
+                  <a:srgbClr val="FFFF00"/>
+                </a:solidFill>
+              </a:rPr>
               <a:t>Guardian = father</a:t>
             </a:r>
           </a:p>
@@ -5719,10 +6191,18 @@
           <a:lstStyle/>
           <a:p>
             <a:r>
-              <a:rPr lang="en-US" dirty="0" smtClean="0"/>
+              <a:rPr lang="en-US" dirty="0" smtClean="0">
+                <a:solidFill>
+                  <a:srgbClr val="FFFF00"/>
+                </a:solidFill>
+              </a:rPr>
               <a:t>Math results</a:t>
             </a:r>
-            <a:endParaRPr lang="en-US" dirty="0"/>
+            <a:endParaRPr lang="en-US" dirty="0">
+              <a:solidFill>
+                <a:srgbClr val="FFFF00"/>
+              </a:solidFill>
+            </a:endParaRPr>
           </a:p>
         </p:txBody>
       </p:sp>
@@ -5744,41 +6224,77 @@
           <a:lstStyle/>
           <a:p>
             <a:r>
-              <a:rPr lang="en-US" dirty="0" smtClean="0"/>
+              <a:rPr lang="en-US" dirty="0" smtClean="0">
+                <a:solidFill>
+                  <a:srgbClr val="FFFF00"/>
+                </a:solidFill>
+              </a:rPr>
               <a:t>NOT wishing to take higher education had negative impact on grades</a:t>
             </a:r>
           </a:p>
           <a:p>
-            <a:endParaRPr lang="en-US" dirty="0" smtClean="0"/>
-          </a:p>
-          <a:p>
-            <a:r>
-              <a:rPr lang="en-US" dirty="0" smtClean="0"/>
+            <a:endParaRPr lang="en-US" dirty="0" smtClean="0">
+              <a:solidFill>
+                <a:srgbClr val="FFFF00"/>
+              </a:solidFill>
+            </a:endParaRPr>
+          </a:p>
+          <a:p>
+            <a:r>
+              <a:rPr lang="en-US" dirty="0" smtClean="0">
+                <a:solidFill>
+                  <a:srgbClr val="FFFF00"/>
+                </a:solidFill>
+              </a:rPr>
               <a:t>The less failures, the higher the grade</a:t>
             </a:r>
           </a:p>
           <a:p>
-            <a:endParaRPr lang="en-US" dirty="0" smtClean="0"/>
-          </a:p>
-          <a:p>
-            <a:r>
-              <a:rPr lang="en-US" dirty="0"/>
+            <a:endParaRPr lang="en-US" dirty="0" smtClean="0">
+              <a:solidFill>
+                <a:srgbClr val="FFFF00"/>
+              </a:solidFill>
+            </a:endParaRPr>
+          </a:p>
+          <a:p>
+            <a:r>
+              <a:rPr lang="en-US" dirty="0">
+                <a:solidFill>
+                  <a:srgbClr val="FFFF00"/>
+                </a:solidFill>
+              </a:rPr>
               <a:t>N</a:t>
             </a:r>
             <a:r>
-              <a:rPr lang="en-US" dirty="0" smtClean="0"/>
+              <a:rPr lang="en-US" dirty="0" smtClean="0">
+                <a:solidFill>
+                  <a:srgbClr val="FFFF00"/>
+                </a:solidFill>
+              </a:rPr>
               <a:t>ot requiring extra education support contributed to higher grades</a:t>
             </a:r>
           </a:p>
           <a:p>
-            <a:endParaRPr lang="en-US" dirty="0" smtClean="0"/>
-          </a:p>
-          <a:p>
-            <a:r>
-              <a:rPr lang="en-US" dirty="0" smtClean="0"/>
+            <a:endParaRPr lang="en-US" dirty="0" smtClean="0">
+              <a:solidFill>
+                <a:srgbClr val="FFFF00"/>
+              </a:solidFill>
+            </a:endParaRPr>
+          </a:p>
+          <a:p>
+            <a:r>
+              <a:rPr lang="en-US" dirty="0" smtClean="0">
+                <a:solidFill>
+                  <a:srgbClr val="FFFF00"/>
+                </a:solidFill>
+              </a:rPr>
               <a:t>Mother’s job in health or services had positive impact on grades</a:t>
             </a:r>
-            <a:endParaRPr lang="en-US" dirty="0"/>
+            <a:endParaRPr lang="en-US" dirty="0">
+              <a:solidFill>
+                <a:srgbClr val="FFFF00"/>
+              </a:solidFill>
+            </a:endParaRPr>
           </a:p>
         </p:txBody>
       </p:sp>
@@ -5836,14 +6352,24 @@
           </a:xfrm>
         </p:spPr>
         <p:txBody>
-          <a:bodyPr/>
-          <a:lstStyle/>
-          <a:p>
-            <a:r>
-              <a:rPr lang="en-US" sz="4000" dirty="0" smtClean="0"/>
+          <a:bodyPr>
+            <a:normAutofit/>
+          </a:bodyPr>
+          <a:lstStyle/>
+          <a:p>
+            <a:r>
+              <a:rPr lang="en-US" sz="3600" dirty="0" smtClean="0">
+                <a:solidFill>
+                  <a:srgbClr val="FFFF00"/>
+                </a:solidFill>
+              </a:rPr>
               <a:t>Math results cont.</a:t>
             </a:r>
-            <a:endParaRPr lang="en-US" sz="4000" dirty="0"/>
+            <a:endParaRPr lang="en-US" sz="3600" dirty="0">
+              <a:solidFill>
+                <a:srgbClr val="FFFF00"/>
+              </a:solidFill>
+            </a:endParaRPr>
           </a:p>
         </p:txBody>
       </p:sp>
@@ -5870,34 +6396,62 @@
           <a:lstStyle/>
           <a:p>
             <a:r>
-              <a:rPr lang="en-US" dirty="0" smtClean="0"/>
+              <a:rPr lang="en-US" dirty="0" smtClean="0">
+                <a:solidFill>
+                  <a:srgbClr val="FFFF00"/>
+                </a:solidFill>
+              </a:rPr>
               <a:t>Father’s job as a teacher has a positive influence on grades</a:t>
             </a:r>
           </a:p>
           <a:p>
-            <a:endParaRPr lang="en-US" dirty="0" smtClean="0"/>
-          </a:p>
-          <a:p>
-            <a:r>
-              <a:rPr lang="en-US" dirty="0" smtClean="0"/>
+            <a:endParaRPr lang="en-US" dirty="0" smtClean="0">
+              <a:solidFill>
+                <a:srgbClr val="FFFF00"/>
+              </a:solidFill>
+            </a:endParaRPr>
+          </a:p>
+          <a:p>
+            <a:r>
+              <a:rPr lang="en-US" dirty="0" smtClean="0">
+                <a:solidFill>
+                  <a:srgbClr val="FFFF00"/>
+                </a:solidFill>
+              </a:rPr>
               <a:t>Not being involved romantically had a positive influence on grades</a:t>
             </a:r>
           </a:p>
           <a:p>
-            <a:endParaRPr lang="en-US" dirty="0"/>
-          </a:p>
-          <a:p>
-            <a:r>
-              <a:rPr lang="en-US" dirty="0" smtClean="0"/>
+            <a:endParaRPr lang="en-US" dirty="0">
+              <a:solidFill>
+                <a:srgbClr val="FFFF00"/>
+              </a:solidFill>
+            </a:endParaRPr>
+          </a:p>
+          <a:p>
+            <a:r>
+              <a:rPr lang="en-US" dirty="0" smtClean="0">
+                <a:solidFill>
+                  <a:srgbClr val="FFFF00"/>
+                </a:solidFill>
+              </a:rPr>
               <a:t>Family size &gt; 3 had negative impact</a:t>
             </a:r>
           </a:p>
           <a:p>
-            <a:endParaRPr lang="en-US" dirty="0" smtClean="0"/>
-          </a:p>
-          <a:p>
-            <a:r>
-              <a:rPr lang="en-US" dirty="0"/>
+            <a:endParaRPr lang="en-US" dirty="0" smtClean="0">
+              <a:solidFill>
+                <a:srgbClr val="FFFF00"/>
+              </a:solidFill>
+            </a:endParaRPr>
+          </a:p>
+          <a:p>
+            <a:r>
+              <a:rPr lang="en-US" dirty="0">
+                <a:solidFill>
+                  <a:srgbClr val="FFFF00"/>
+                </a:solidFill>
+              </a:rPr>
               <a:t>Being female had a negative impact on grades</a:t>
             </a:r>
           </a:p>
@@ -5972,14 +6526,24 @@
           </a:xfrm>
         </p:spPr>
         <p:txBody>
-          <a:bodyPr/>
-          <a:lstStyle/>
-          <a:p>
-            <a:r>
-              <a:rPr lang="en-US" sz="4000" dirty="0" smtClean="0"/>
+          <a:bodyPr>
+            <a:normAutofit/>
+          </a:bodyPr>
+          <a:lstStyle/>
+          <a:p>
+            <a:r>
+              <a:rPr lang="en-US" sz="3600" dirty="0" smtClean="0">
+                <a:solidFill>
+                  <a:srgbClr val="FFFF00"/>
+                </a:solidFill>
+              </a:rPr>
               <a:t>Math results more..</a:t>
             </a:r>
-            <a:endParaRPr lang="en-US" sz="4000" dirty="0"/>
+            <a:endParaRPr lang="en-US" sz="3600" dirty="0">
+              <a:solidFill>
+                <a:srgbClr val="FFFF00"/>
+              </a:solidFill>
+            </a:endParaRPr>
           </a:p>
         </p:txBody>
       </p:sp>
@@ -6009,49 +6573,97 @@
           </a:p>
           <a:p>
             <a:r>
-              <a:rPr lang="en-US" dirty="0"/>
+              <a:rPr lang="en-US" dirty="0">
+                <a:solidFill>
+                  <a:srgbClr val="FFFF00"/>
+                </a:solidFill>
+              </a:rPr>
               <a:t>Family education support = no contributed to higher grades ?? Not sure this one makes </a:t>
             </a:r>
             <a:r>
-              <a:rPr lang="en-US" dirty="0" smtClean="0"/>
+              <a:rPr lang="en-US" dirty="0" smtClean="0">
+                <a:solidFill>
+                  <a:srgbClr val="FFFF00"/>
+                </a:solidFill>
+              </a:rPr>
               <a:t>sense</a:t>
             </a:r>
           </a:p>
           <a:p>
-            <a:endParaRPr lang="en-US" dirty="0"/>
-          </a:p>
-          <a:p>
-            <a:r>
-              <a:rPr lang="en-US" dirty="0"/>
+            <a:endParaRPr lang="en-US" dirty="0">
+              <a:solidFill>
+                <a:srgbClr val="FFFF00"/>
+              </a:solidFill>
+            </a:endParaRPr>
+          </a:p>
+          <a:p>
+            <a:r>
+              <a:rPr lang="en-US" dirty="0">
+                <a:solidFill>
+                  <a:srgbClr val="FFFF00"/>
+                </a:solidFill>
+              </a:rPr>
               <a:t>Reason </a:t>
             </a:r>
             <a:r>
-              <a:rPr lang="en-US" dirty="0" smtClean="0"/>
+              <a:rPr lang="en-US" dirty="0" smtClean="0">
+                <a:solidFill>
+                  <a:srgbClr val="FFFF00"/>
+                </a:solidFill>
+              </a:rPr>
               <a:t>chose the </a:t>
             </a:r>
             <a:r>
-              <a:rPr lang="en-US" dirty="0"/>
+              <a:rPr lang="en-US" dirty="0">
+                <a:solidFill>
+                  <a:srgbClr val="FFFF00"/>
+                </a:solidFill>
+              </a:rPr>
               <a:t>school </a:t>
             </a:r>
             <a:r>
-              <a:rPr lang="en-US" dirty="0" smtClean="0"/>
+              <a:rPr lang="en-US" dirty="0" smtClean="0">
+                <a:solidFill>
+                  <a:srgbClr val="FFFF00"/>
+                </a:solidFill>
+              </a:rPr>
               <a:t>for the </a:t>
             </a:r>
             <a:r>
-              <a:rPr lang="en-US" dirty="0"/>
+              <a:rPr lang="en-US" dirty="0">
+                <a:solidFill>
+                  <a:srgbClr val="FFFF00"/>
+                </a:solidFill>
+              </a:rPr>
               <a:t>course had negative impact on grades</a:t>
             </a:r>
-            <a:endParaRPr lang="en-US" dirty="0" smtClean="0"/>
-          </a:p>
-          <a:p>
-            <a:endParaRPr lang="en-US" dirty="0"/>
-          </a:p>
-          <a:p>
-            <a:r>
-              <a:rPr lang="en-US" dirty="0" smtClean="0"/>
+            <a:endParaRPr lang="en-US" dirty="0" smtClean="0">
+              <a:solidFill>
+                <a:srgbClr val="FFFF00"/>
+              </a:solidFill>
+            </a:endParaRPr>
+          </a:p>
+          <a:p>
+            <a:endParaRPr lang="en-US" dirty="0">
+              <a:solidFill>
+                <a:srgbClr val="FFFF00"/>
+              </a:solidFill>
+            </a:endParaRPr>
+          </a:p>
+          <a:p>
+            <a:r>
+              <a:rPr lang="en-US" dirty="0" smtClean="0">
+                <a:solidFill>
+                  <a:srgbClr val="FFFF00"/>
+                </a:solidFill>
+              </a:rPr>
               <a:t>Increase in travel time causes decrease in grades</a:t>
             </a:r>
-            <a:endParaRPr lang="en-US" dirty="0"/>
+            <a:endParaRPr lang="en-US" dirty="0">
+              <a:solidFill>
+                <a:srgbClr val="FFFF00"/>
+              </a:solidFill>
+            </a:endParaRPr>
           </a:p>
         </p:txBody>
       </p:sp>
@@ -6102,7 +6714,12 @@
             <p:ph type="title"/>
           </p:nvPr>
         </p:nvSpPr>
-        <p:spPr/>
+        <p:spPr>
+          <a:xfrm>
+            <a:off x="457200" y="274638"/>
+            <a:ext cx="8229600" cy="1428086"/>
+          </a:xfrm>
+        </p:spPr>
         <p:txBody>
           <a:bodyPr>
             <a:normAutofit fontScale="90000"/>
@@ -6110,10 +6727,34 @@
           <a:lstStyle/>
           <a:p>
             <a:r>
-              <a:rPr lang="en-US" dirty="0" smtClean="0"/>
-              <a:t>Project goal to try and answer  the following:</a:t>
-            </a:r>
-            <a:endParaRPr lang="en-US" dirty="0"/>
+              <a:rPr lang="en-US" dirty="0" smtClean="0">
+                <a:solidFill>
+                  <a:srgbClr val="FFFF00"/>
+                </a:solidFill>
+              </a:rPr>
+              <a:t>Project goal to try and </a:t>
+            </a:r>
+            <a:r>
+              <a:rPr lang="en-US" dirty="0" smtClean="0">
+                <a:solidFill>
+                  <a:srgbClr val="FFFF00"/>
+                </a:solidFill>
+              </a:rPr>
+              <a:t>answer </a:t>
+            </a:r>
+            <a:r>
+              <a:rPr lang="en-US" dirty="0" smtClean="0">
+                <a:solidFill>
+                  <a:srgbClr val="FFFF00"/>
+                </a:solidFill>
+              </a:rPr>
+              <a:t>the following:</a:t>
+            </a:r>
+            <a:endParaRPr lang="en-US" dirty="0">
+              <a:solidFill>
+                <a:srgbClr val="FFFF00"/>
+              </a:solidFill>
+            </a:endParaRPr>
           </a:p>
         </p:txBody>
       </p:sp>
@@ -6140,40 +6781,72 @@
           <a:lstStyle/>
           <a:p>
             <a:r>
-              <a:rPr lang="en-US" dirty="0"/>
-              <a:t>What factors influence the average </a:t>
-            </a:r>
-            <a:r>
-              <a:rPr lang="en-US" dirty="0" smtClean="0"/>
-              <a:t>math </a:t>
-            </a:r>
-            <a:r>
-              <a:rPr lang="en-US" dirty="0"/>
-              <a:t>grade score? </a:t>
-            </a:r>
-            <a:endParaRPr lang="en-US" dirty="0" smtClean="0"/>
-          </a:p>
-          <a:p>
-            <a:endParaRPr lang="en-US" dirty="0"/>
-          </a:p>
-          <a:p>
-            <a:r>
-              <a:rPr lang="en-US" dirty="0" smtClean="0"/>
+              <a:rPr lang="en-US" dirty="0">
+                <a:solidFill>
+                  <a:srgbClr val="FFFF00"/>
+                </a:solidFill>
+              </a:rPr>
+              <a:t>What factors </a:t>
+            </a:r>
+            <a:r>
+              <a:rPr lang="en-US" dirty="0" smtClean="0">
+                <a:solidFill>
+                  <a:srgbClr val="FFFF00"/>
+                </a:solidFill>
+              </a:rPr>
+              <a:t>influence the average Math grade score?</a:t>
+            </a:r>
+            <a:endParaRPr lang="en-US" dirty="0" smtClean="0">
+              <a:solidFill>
+                <a:srgbClr val="FFFF00"/>
+              </a:solidFill>
+            </a:endParaRPr>
+          </a:p>
+          <a:p>
+            <a:endParaRPr lang="en-US" dirty="0">
+              <a:solidFill>
+                <a:srgbClr val="FFFF00"/>
+              </a:solidFill>
+            </a:endParaRPr>
+          </a:p>
+          <a:p>
+            <a:r>
+              <a:rPr lang="en-US" dirty="0" smtClean="0">
+                <a:solidFill>
+                  <a:srgbClr val="FFFF00"/>
+                </a:solidFill>
+              </a:rPr>
               <a:t>What </a:t>
             </a:r>
             <a:r>
-              <a:rPr lang="en-US" dirty="0"/>
+              <a:rPr lang="en-US" dirty="0">
+                <a:solidFill>
+                  <a:srgbClr val="FFFF00"/>
+                </a:solidFill>
+              </a:rPr>
               <a:t>factors influence the average </a:t>
             </a:r>
             <a:r>
-              <a:rPr lang="en-US" dirty="0" smtClean="0"/>
+              <a:rPr lang="en-US" dirty="0" smtClean="0">
+                <a:solidFill>
+                  <a:srgbClr val="FFFF00"/>
+                </a:solidFill>
+              </a:rPr>
               <a:t>Portuguese grade </a:t>
             </a:r>
             <a:r>
-              <a:rPr lang="en-US" dirty="0"/>
+              <a:rPr lang="en-US" dirty="0">
+                <a:solidFill>
+                  <a:srgbClr val="FFFF00"/>
+                </a:solidFill>
+              </a:rPr>
               <a:t>score? </a:t>
             </a:r>
-            <a:endParaRPr lang="en-US" dirty="0" smtClean="0"/>
+            <a:endParaRPr lang="en-US" dirty="0" smtClean="0">
+              <a:solidFill>
+                <a:srgbClr val="FFFF00"/>
+              </a:solidFill>
+            </a:endParaRPr>
           </a:p>
           <a:p>
             <a:endParaRPr lang="en-US" dirty="0" smtClean="0"/>
@@ -6249,10 +6922,18 @@
           <a:lstStyle/>
           <a:p>
             <a:r>
-              <a:rPr lang="en-US" sz="4000" dirty="0" smtClean="0"/>
+              <a:rPr lang="en-US" sz="4000" dirty="0" smtClean="0">
+                <a:solidFill>
+                  <a:srgbClr val="FFFF00"/>
+                </a:solidFill>
+              </a:rPr>
               <a:t>Math results</a:t>
             </a:r>
-            <a:endParaRPr lang="en-US" sz="4000" dirty="0"/>
+            <a:endParaRPr lang="en-US" sz="4000" dirty="0">
+              <a:solidFill>
+                <a:srgbClr val="FFFF00"/>
+              </a:solidFill>
+            </a:endParaRPr>
           </a:p>
         </p:txBody>
       </p:sp>
@@ -6282,34 +6963,62 @@
           </a:p>
           <a:p>
             <a:r>
-              <a:rPr lang="en-US" dirty="0" smtClean="0"/>
+              <a:rPr lang="en-US" dirty="0" smtClean="0">
+                <a:solidFill>
+                  <a:srgbClr val="FFFF00"/>
+                </a:solidFill>
+              </a:rPr>
               <a:t>The more one studies the better the grade</a:t>
             </a:r>
           </a:p>
           <a:p>
-            <a:endParaRPr lang="en-US" dirty="0" smtClean="0"/>
-          </a:p>
-          <a:p>
-            <a:r>
-              <a:rPr lang="en-US" dirty="0" smtClean="0"/>
+            <a:endParaRPr lang="en-US" dirty="0" smtClean="0">
+              <a:solidFill>
+                <a:srgbClr val="FFFF00"/>
+              </a:solidFill>
+            </a:endParaRPr>
+          </a:p>
+          <a:p>
+            <a:r>
+              <a:rPr lang="en-US" dirty="0" smtClean="0">
+                <a:solidFill>
+                  <a:srgbClr val="FFFF00"/>
+                </a:solidFill>
+              </a:rPr>
               <a:t>Mother’s education level had positive impact</a:t>
             </a:r>
           </a:p>
           <a:p>
-            <a:endParaRPr lang="en-US" dirty="0" smtClean="0"/>
-          </a:p>
-          <a:p>
-            <a:r>
-              <a:rPr lang="en-US" dirty="0" smtClean="0"/>
+            <a:endParaRPr lang="en-US" dirty="0" smtClean="0">
+              <a:solidFill>
+                <a:srgbClr val="FFFF00"/>
+              </a:solidFill>
+            </a:endParaRPr>
+          </a:p>
+          <a:p>
+            <a:r>
+              <a:rPr lang="en-US" dirty="0" smtClean="0">
+                <a:solidFill>
+                  <a:srgbClr val="FFFF00"/>
+                </a:solidFill>
+              </a:rPr>
               <a:t>Mother’s job of other shows negative impact</a:t>
             </a:r>
           </a:p>
           <a:p>
-            <a:endParaRPr lang="en-US" dirty="0" smtClean="0"/>
-          </a:p>
-          <a:p>
-            <a:r>
-              <a:rPr lang="en-US" dirty="0" smtClean="0"/>
+            <a:endParaRPr lang="en-US" dirty="0" smtClean="0">
+              <a:solidFill>
+                <a:srgbClr val="FFFF00"/>
+              </a:solidFill>
+            </a:endParaRPr>
+          </a:p>
+          <a:p>
+            <a:r>
+              <a:rPr lang="en-US" dirty="0" smtClean="0">
+                <a:solidFill>
+                  <a:srgbClr val="FFFF00"/>
+                </a:solidFill>
+              </a:rPr>
               <a:t>Age has negative impact </a:t>
             </a:r>
           </a:p>
@@ -6375,10 +7084,18 @@
           <a:lstStyle/>
           <a:p>
             <a:r>
-              <a:rPr lang="en-US" sz="4000" dirty="0" smtClean="0"/>
+              <a:rPr lang="en-US" sz="4000" dirty="0" smtClean="0">
+                <a:solidFill>
+                  <a:srgbClr val="FFFF00"/>
+                </a:solidFill>
+              </a:rPr>
               <a:t>Math more</a:t>
             </a:r>
-            <a:endParaRPr lang="en-US" sz="4000" dirty="0"/>
+            <a:endParaRPr lang="en-US" sz="4000" dirty="0">
+              <a:solidFill>
+                <a:srgbClr val="FFFF00"/>
+              </a:solidFill>
+            </a:endParaRPr>
           </a:p>
         </p:txBody>
       </p:sp>
@@ -6403,25 +7120,45 @@
           <a:lstStyle/>
           <a:p>
             <a:r>
-              <a:rPr lang="en-US" dirty="0" smtClean="0"/>
+              <a:rPr lang="en-US" dirty="0" smtClean="0">
+                <a:solidFill>
+                  <a:srgbClr val="FFFF00"/>
+                </a:solidFill>
+              </a:rPr>
               <a:t>Frequency of going out impacted the grade</a:t>
             </a:r>
           </a:p>
           <a:p>
-            <a:endParaRPr lang="en-US" dirty="0"/>
-          </a:p>
-          <a:p>
-            <a:r>
-              <a:rPr lang="en-US" dirty="0" smtClean="0"/>
+            <a:endParaRPr lang="en-US" dirty="0">
+              <a:solidFill>
+                <a:srgbClr val="FFFF00"/>
+              </a:solidFill>
+            </a:endParaRPr>
+          </a:p>
+          <a:p>
+            <a:r>
+              <a:rPr lang="en-US" dirty="0" smtClean="0">
+                <a:solidFill>
+                  <a:srgbClr val="FFFF00"/>
+                </a:solidFill>
+              </a:rPr>
               <a:t>If the student choose the school for reputation, this had a positive impact</a:t>
             </a:r>
           </a:p>
           <a:p>
-            <a:endParaRPr lang="en-US" dirty="0"/>
-          </a:p>
-          <a:p>
-            <a:r>
-              <a:rPr lang="en-US" dirty="0" smtClean="0"/>
+            <a:endParaRPr lang="en-US" dirty="0">
+              <a:solidFill>
+                <a:srgbClr val="FFFF00"/>
+              </a:solidFill>
+            </a:endParaRPr>
+          </a:p>
+          <a:p>
+            <a:r>
+              <a:rPr lang="en-US" dirty="0" smtClean="0">
+                <a:solidFill>
+                  <a:srgbClr val="FFFF00"/>
+                </a:solidFill>
+              </a:rPr>
               <a:t>If the guardian was the father, this had a positive impact, guardian mother or other was excluded</a:t>
             </a:r>
           </a:p>
@@ -6483,10 +7220,18 @@
           <a:lstStyle/>
           <a:p>
             <a:r>
-              <a:rPr lang="en-US" sz="2800" dirty="0" smtClean="0"/>
+              <a:rPr lang="en-US" sz="2800" dirty="0" smtClean="0">
+                <a:solidFill>
+                  <a:srgbClr val="FFFF00"/>
+                </a:solidFill>
+              </a:rPr>
               <a:t>Portuguese: 0.0 coefficients – features excluded</a:t>
             </a:r>
-            <a:endParaRPr lang="en-US" sz="2800" dirty="0"/>
+            <a:endParaRPr lang="en-US" sz="2800" dirty="0">
+              <a:solidFill>
+                <a:srgbClr val="FFFF00"/>
+              </a:solidFill>
+            </a:endParaRPr>
           </a:p>
         </p:txBody>
       </p:sp>
@@ -6542,65 +7287,121 @@
           </a:p>
           <a:p>
             <a:r>
-              <a:rPr lang="en-US" dirty="0" smtClean="0"/>
+              <a:rPr lang="en-US" dirty="0" smtClean="0">
+                <a:solidFill>
+                  <a:srgbClr val="FFFF00"/>
+                </a:solidFill>
+              </a:rPr>
               <a:t>Higher = y</a:t>
             </a:r>
           </a:p>
           <a:p>
             <a:r>
-              <a:rPr lang="en-US" dirty="0" smtClean="0"/>
+              <a:rPr lang="en-US" dirty="0" smtClean="0">
+                <a:solidFill>
+                  <a:srgbClr val="FFFF00"/>
+                </a:solidFill>
+              </a:rPr>
               <a:t>School = MS</a:t>
             </a:r>
           </a:p>
           <a:p>
             <a:r>
-              <a:rPr lang="en-US" dirty="0" err="1" smtClean="0"/>
+              <a:rPr lang="en-US" dirty="0" err="1" smtClean="0">
+                <a:solidFill>
+                  <a:srgbClr val="FFFF00"/>
+                </a:solidFill>
+              </a:rPr>
               <a:t>Schoolsup</a:t>
             </a:r>
             <a:r>
-              <a:rPr lang="en-US" dirty="0" smtClean="0"/>
+              <a:rPr lang="en-US" dirty="0" smtClean="0">
+                <a:solidFill>
+                  <a:srgbClr val="FFFF00"/>
+                </a:solidFill>
+              </a:rPr>
               <a:t> = y</a:t>
             </a:r>
           </a:p>
           <a:p>
             <a:r>
-              <a:rPr lang="en-US" dirty="0" smtClean="0"/>
+              <a:rPr lang="en-US" dirty="0" smtClean="0">
+                <a:solidFill>
+                  <a:srgbClr val="FFFF00"/>
+                </a:solidFill>
+              </a:rPr>
               <a:t>Internet = y</a:t>
             </a:r>
           </a:p>
           <a:p>
             <a:r>
-              <a:rPr lang="en-US" dirty="0" smtClean="0"/>
+              <a:rPr lang="en-US" dirty="0" smtClean="0">
+                <a:solidFill>
+                  <a:srgbClr val="FFFF00"/>
+                </a:solidFill>
+              </a:rPr>
               <a:t>Age</a:t>
             </a:r>
           </a:p>
           <a:p>
             <a:r>
-              <a:rPr lang="en-US" dirty="0" err="1" smtClean="0"/>
+              <a:rPr lang="en-US" dirty="0" err="1" smtClean="0">
+                <a:solidFill>
+                  <a:srgbClr val="FFFF00"/>
+                </a:solidFill>
+              </a:rPr>
               <a:t>Traveltime</a:t>
             </a:r>
-            <a:endParaRPr lang="en-US" dirty="0" smtClean="0"/>
-          </a:p>
-          <a:p>
-            <a:r>
-              <a:rPr lang="en-US" dirty="0" err="1" smtClean="0"/>
+            <a:endParaRPr lang="en-US" dirty="0" smtClean="0">
+              <a:solidFill>
+                <a:srgbClr val="FFFF00"/>
+              </a:solidFill>
+            </a:endParaRPr>
+          </a:p>
+          <a:p>
+            <a:r>
+              <a:rPr lang="en-US" dirty="0" err="1" smtClean="0">
+                <a:solidFill>
+                  <a:srgbClr val="FFFF00"/>
+                </a:solidFill>
+              </a:rPr>
               <a:t>Famrel</a:t>
             </a:r>
-            <a:endParaRPr lang="en-US" dirty="0" smtClean="0"/>
-          </a:p>
-          <a:p>
-            <a:r>
-              <a:rPr lang="en-US" dirty="0" err="1" smtClean="0"/>
+            <a:endParaRPr lang="en-US" dirty="0" smtClean="0">
+              <a:solidFill>
+                <a:srgbClr val="FFFF00"/>
+              </a:solidFill>
+            </a:endParaRPr>
+          </a:p>
+          <a:p>
+            <a:r>
+              <a:rPr lang="en-US" dirty="0" err="1" smtClean="0">
+                <a:solidFill>
+                  <a:srgbClr val="FFFF00"/>
+                </a:solidFill>
+              </a:rPr>
               <a:t>Freetime</a:t>
             </a:r>
-            <a:endParaRPr lang="en-US" dirty="0" smtClean="0"/>
-          </a:p>
-          <a:p>
-            <a:r>
-              <a:rPr lang="en-US" dirty="0" err="1" smtClean="0"/>
+            <a:endParaRPr lang="en-US" dirty="0" smtClean="0">
+              <a:solidFill>
+                <a:srgbClr val="FFFF00"/>
+              </a:solidFill>
+            </a:endParaRPr>
+          </a:p>
+          <a:p>
+            <a:r>
+              <a:rPr lang="en-US" dirty="0" err="1" smtClean="0">
+                <a:solidFill>
+                  <a:srgbClr val="FFFF00"/>
+                </a:solidFill>
+              </a:rPr>
               <a:t>goout</a:t>
             </a:r>
-            <a:endParaRPr lang="en-US" dirty="0"/>
+            <a:endParaRPr lang="en-US" dirty="0">
+              <a:solidFill>
+                <a:srgbClr val="FFFF00"/>
+              </a:solidFill>
+            </a:endParaRPr>
           </a:p>
         </p:txBody>
       </p:sp>
@@ -6656,71 +7457,127 @@
           </a:p>
           <a:p>
             <a:r>
-              <a:rPr lang="en-US" dirty="0" smtClean="0"/>
+              <a:rPr lang="en-US" dirty="0" smtClean="0">
+                <a:solidFill>
+                  <a:srgbClr val="FFFF00"/>
+                </a:solidFill>
+              </a:rPr>
               <a:t>Health</a:t>
             </a:r>
           </a:p>
           <a:p>
             <a:r>
-              <a:rPr lang="en-US" dirty="0" smtClean="0"/>
+              <a:rPr lang="en-US" dirty="0" smtClean="0">
+                <a:solidFill>
+                  <a:srgbClr val="FFFF00"/>
+                </a:solidFill>
+              </a:rPr>
               <a:t>Absences</a:t>
             </a:r>
           </a:p>
           <a:p>
             <a:r>
-              <a:rPr lang="en-US" dirty="0" smtClean="0"/>
+              <a:rPr lang="en-US" dirty="0" smtClean="0">
+                <a:solidFill>
+                  <a:srgbClr val="FFFF00"/>
+                </a:solidFill>
+              </a:rPr>
               <a:t>Sex = f &amp; m</a:t>
             </a:r>
           </a:p>
           <a:p>
             <a:r>
-              <a:rPr lang="en-US" dirty="0" smtClean="0"/>
+              <a:rPr lang="en-US" dirty="0" smtClean="0">
+                <a:solidFill>
+                  <a:srgbClr val="FFFF00"/>
+                </a:solidFill>
+              </a:rPr>
               <a:t>Address = R or U</a:t>
             </a:r>
           </a:p>
           <a:p>
             <a:r>
-              <a:rPr lang="en-US" dirty="0" err="1" smtClean="0"/>
+              <a:rPr lang="en-US" dirty="0" err="1" smtClean="0">
+                <a:solidFill>
+                  <a:srgbClr val="FFFF00"/>
+                </a:solidFill>
+              </a:rPr>
               <a:t>Famsize</a:t>
             </a:r>
-            <a:endParaRPr lang="en-US" dirty="0" smtClean="0"/>
-          </a:p>
-          <a:p>
-            <a:r>
-              <a:rPr lang="en-US" dirty="0" err="1" smtClean="0"/>
+            <a:endParaRPr lang="en-US" dirty="0" smtClean="0">
+              <a:solidFill>
+                <a:srgbClr val="FFFF00"/>
+              </a:solidFill>
+            </a:endParaRPr>
+          </a:p>
+          <a:p>
+            <a:r>
+              <a:rPr lang="en-US" dirty="0" err="1" smtClean="0">
+                <a:solidFill>
+                  <a:srgbClr val="FFFF00"/>
+                </a:solidFill>
+              </a:rPr>
               <a:t>Pstatus</a:t>
             </a:r>
             <a:r>
-              <a:rPr lang="en-US" dirty="0" smtClean="0"/>
+              <a:rPr lang="en-US" dirty="0" smtClean="0">
+                <a:solidFill>
+                  <a:srgbClr val="FFFF00"/>
+                </a:solidFill>
+              </a:rPr>
               <a:t> (both A &amp;T)</a:t>
             </a:r>
           </a:p>
           <a:p>
             <a:r>
-              <a:rPr lang="en-US" dirty="0" err="1" smtClean="0"/>
+              <a:rPr lang="en-US" dirty="0" err="1" smtClean="0">
+                <a:solidFill>
+                  <a:srgbClr val="FFFF00"/>
+                </a:solidFill>
+              </a:rPr>
               <a:t>Mjob</a:t>
             </a:r>
             <a:r>
-              <a:rPr lang="en-US" dirty="0" smtClean="0"/>
+              <a:rPr lang="en-US" dirty="0" smtClean="0">
+                <a:solidFill>
+                  <a:srgbClr val="FFFF00"/>
+                </a:solidFill>
+              </a:rPr>
               <a:t> – all </a:t>
             </a:r>
           </a:p>
           <a:p>
             <a:r>
-              <a:rPr lang="en-US" dirty="0" err="1" smtClean="0"/>
+              <a:rPr lang="en-US" dirty="0" err="1" smtClean="0">
+                <a:solidFill>
+                  <a:srgbClr val="FFFF00"/>
+                </a:solidFill>
+              </a:rPr>
               <a:t>Mjob</a:t>
             </a:r>
             <a:r>
-              <a:rPr lang="en-US" dirty="0" smtClean="0"/>
+              <a:rPr lang="en-US" dirty="0" smtClean="0">
+                <a:solidFill>
+                  <a:srgbClr val="FFFF00"/>
+                </a:solidFill>
+              </a:rPr>
               <a:t> – all</a:t>
             </a:r>
           </a:p>
           <a:p>
             <a:r>
-              <a:rPr lang="en-US" dirty="0" smtClean="0"/>
+              <a:rPr lang="en-US" dirty="0" smtClean="0">
+                <a:solidFill>
+                  <a:srgbClr val="FFFF00"/>
+                </a:solidFill>
+              </a:rPr>
               <a:t>Reason = course, home, other</a:t>
             </a:r>
-            <a:endParaRPr lang="en-US" dirty="0"/>
+            <a:endParaRPr lang="en-US" dirty="0">
+              <a:solidFill>
+                <a:srgbClr val="FFFF00"/>
+              </a:solidFill>
+            </a:endParaRPr>
           </a:p>
         </p:txBody>
       </p:sp>
@@ -6784,10 +7641,18 @@
           <a:lstStyle/>
           <a:p>
             <a:r>
-              <a:rPr lang="en-US" sz="2800" dirty="0" smtClean="0"/>
+              <a:rPr lang="en-US" sz="2800" dirty="0" smtClean="0">
+                <a:solidFill>
+                  <a:srgbClr val="FFFF00"/>
+                </a:solidFill>
+              </a:rPr>
               <a:t>Portuguese: 0.0 coefficients – features excluded</a:t>
             </a:r>
-            <a:endParaRPr lang="en-US" sz="2800" dirty="0"/>
+            <a:endParaRPr lang="en-US" sz="2800" dirty="0">
+              <a:solidFill>
+                <a:srgbClr val="FFFF00"/>
+              </a:solidFill>
+            </a:endParaRPr>
           </a:p>
         </p:txBody>
       </p:sp>
@@ -6843,38 +7708,66 @@
           </a:p>
           <a:p>
             <a:r>
-              <a:rPr lang="en-US" dirty="0" smtClean="0"/>
+              <a:rPr lang="en-US" dirty="0" smtClean="0">
+                <a:solidFill>
+                  <a:srgbClr val="FFFF00"/>
+                </a:solidFill>
+              </a:rPr>
               <a:t>Guardian all 3</a:t>
             </a:r>
           </a:p>
           <a:p>
             <a:r>
-              <a:rPr lang="en-US" dirty="0" err="1" smtClean="0"/>
+              <a:rPr lang="en-US" dirty="0" err="1" smtClean="0">
+                <a:solidFill>
+                  <a:srgbClr val="FFFF00"/>
+                </a:solidFill>
+              </a:rPr>
               <a:t>Famsup</a:t>
             </a:r>
-            <a:endParaRPr lang="en-US" dirty="0" smtClean="0"/>
-          </a:p>
-          <a:p>
-            <a:r>
-              <a:rPr lang="en-US" dirty="0" smtClean="0"/>
+            <a:endParaRPr lang="en-US" dirty="0" smtClean="0">
+              <a:solidFill>
+                <a:srgbClr val="FFFF00"/>
+              </a:solidFill>
+            </a:endParaRPr>
+          </a:p>
+          <a:p>
+            <a:r>
+              <a:rPr lang="en-US" dirty="0" smtClean="0">
+                <a:solidFill>
+                  <a:srgbClr val="FFFF00"/>
+                </a:solidFill>
+              </a:rPr>
               <a:t>Paid</a:t>
             </a:r>
           </a:p>
           <a:p>
             <a:r>
-              <a:rPr lang="en-US" dirty="0" smtClean="0"/>
+              <a:rPr lang="en-US" dirty="0" smtClean="0">
+                <a:solidFill>
+                  <a:srgbClr val="FFFF00"/>
+                </a:solidFill>
+              </a:rPr>
               <a:t>Activities</a:t>
             </a:r>
           </a:p>
           <a:p>
             <a:r>
-              <a:rPr lang="en-US" dirty="0" smtClean="0"/>
+              <a:rPr lang="en-US" dirty="0" smtClean="0">
+                <a:solidFill>
+                  <a:srgbClr val="FFFF00"/>
+                </a:solidFill>
+              </a:rPr>
               <a:t>Nursery</a:t>
             </a:r>
           </a:p>
           <a:p>
             <a:r>
-              <a:rPr lang="en-US" dirty="0" smtClean="0"/>
+              <a:rPr lang="en-US" dirty="0" smtClean="0">
+                <a:solidFill>
+                  <a:srgbClr val="FFFF00"/>
+                </a:solidFill>
+              </a:rPr>
               <a:t>Romantic</a:t>
             </a:r>
           </a:p>
@@ -6994,10 +7887,18 @@
           <a:lstStyle/>
           <a:p>
             <a:r>
-              <a:rPr lang="en-US" dirty="0" smtClean="0"/>
+              <a:rPr lang="en-US" dirty="0" smtClean="0">
+                <a:solidFill>
+                  <a:srgbClr val="FFFF00"/>
+                </a:solidFill>
+              </a:rPr>
               <a:t>Portuguese Features selected </a:t>
             </a:r>
-            <a:endParaRPr lang="en-US" dirty="0"/>
+            <a:endParaRPr lang="en-US" dirty="0">
+              <a:solidFill>
+                <a:srgbClr val="FFFF00"/>
+              </a:solidFill>
+            </a:endParaRPr>
           </a:p>
         </p:txBody>
       </p:sp>
@@ -7024,45 +7925,77 @@
           <a:lstStyle/>
           <a:p>
             <a:r>
-              <a:rPr lang="en-US" dirty="0" smtClean="0"/>
+              <a:rPr lang="en-US" dirty="0" smtClean="0">
+                <a:solidFill>
+                  <a:srgbClr val="FFFF00"/>
+                </a:solidFill>
+              </a:rPr>
               <a:t>Higher = no</a:t>
             </a:r>
           </a:p>
           <a:p>
             <a:r>
-              <a:rPr lang="en-US" dirty="0" smtClean="0"/>
+              <a:rPr lang="en-US" dirty="0" smtClean="0">
+                <a:solidFill>
+                  <a:srgbClr val="FFFF00"/>
+                </a:solidFill>
+              </a:rPr>
               <a:t>Failures</a:t>
             </a:r>
           </a:p>
           <a:p>
             <a:r>
-              <a:rPr lang="en-US" dirty="0" smtClean="0"/>
+              <a:rPr lang="en-US" dirty="0" smtClean="0">
+                <a:solidFill>
+                  <a:srgbClr val="FFFF00"/>
+                </a:solidFill>
+              </a:rPr>
               <a:t>School = GP </a:t>
             </a:r>
           </a:p>
           <a:p>
             <a:r>
-              <a:rPr lang="en-US" dirty="0" smtClean="0"/>
+              <a:rPr lang="en-US" dirty="0" smtClean="0">
+                <a:solidFill>
+                  <a:srgbClr val="FFFF00"/>
+                </a:solidFill>
+              </a:rPr>
               <a:t>Reason = reputation</a:t>
             </a:r>
           </a:p>
           <a:p>
             <a:r>
-              <a:rPr lang="en-US" dirty="0" err="1" smtClean="0"/>
+              <a:rPr lang="en-US" dirty="0" err="1" smtClean="0">
+                <a:solidFill>
+                  <a:srgbClr val="FFFF00"/>
+                </a:solidFill>
+              </a:rPr>
               <a:t>Schoolsup</a:t>
             </a:r>
             <a:r>
-              <a:rPr lang="en-US" dirty="0" smtClean="0"/>
+              <a:rPr lang="en-US" dirty="0" smtClean="0">
+                <a:solidFill>
+                  <a:srgbClr val="FFFF00"/>
+                </a:solidFill>
+              </a:rPr>
               <a:t> = no</a:t>
             </a:r>
           </a:p>
           <a:p>
             <a:r>
-              <a:rPr lang="en-US" dirty="0" err="1" smtClean="0"/>
+              <a:rPr lang="en-US" dirty="0" err="1" smtClean="0">
+                <a:solidFill>
+                  <a:srgbClr val="FFFF00"/>
+                </a:solidFill>
+              </a:rPr>
               <a:t>Studytime</a:t>
             </a:r>
             <a:r>
-              <a:rPr lang="en-US" dirty="0" smtClean="0"/>
+              <a:rPr lang="en-US" dirty="0" smtClean="0">
+                <a:solidFill>
+                  <a:srgbClr val="FFFF00"/>
+                </a:solidFill>
+              </a:rPr>
               <a:t> </a:t>
             </a:r>
           </a:p>
@@ -7103,35 +8036,71 @@
           <a:lstStyle/>
           <a:p>
             <a:r>
-              <a:rPr lang="en-US" dirty="0" err="1" smtClean="0"/>
+              <a:rPr lang="en-US" dirty="0" err="1" smtClean="0">
+                <a:solidFill>
+                  <a:srgbClr val="FFFF00"/>
+                </a:solidFill>
+              </a:rPr>
               <a:t>Walc</a:t>
             </a:r>
-            <a:endParaRPr lang="en-US" dirty="0" smtClean="0"/>
-          </a:p>
-          <a:p>
-            <a:r>
-              <a:rPr lang="en-US" dirty="0" err="1" smtClean="0"/>
+            <a:endParaRPr lang="en-US" dirty="0" smtClean="0">
+              <a:solidFill>
+                <a:srgbClr val="FFFF00"/>
+              </a:solidFill>
+            </a:endParaRPr>
+          </a:p>
+          <a:p>
+            <a:r>
+              <a:rPr lang="en-US" dirty="0" err="1" smtClean="0">
+                <a:solidFill>
+                  <a:srgbClr val="FFFF00"/>
+                </a:solidFill>
+              </a:rPr>
               <a:t>Dalc</a:t>
             </a:r>
-            <a:endParaRPr lang="en-US" dirty="0" smtClean="0"/>
-          </a:p>
-          <a:p>
-            <a:r>
-              <a:rPr lang="en-US" dirty="0" err="1" smtClean="0"/>
+            <a:endParaRPr lang="en-US" dirty="0" smtClean="0">
+              <a:solidFill>
+                <a:srgbClr val="FFFF00"/>
+              </a:solidFill>
+            </a:endParaRPr>
+          </a:p>
+          <a:p>
+            <a:r>
+              <a:rPr lang="en-US" dirty="0" err="1" smtClean="0">
+                <a:solidFill>
+                  <a:srgbClr val="FFFF00"/>
+                </a:solidFill>
+              </a:rPr>
               <a:t>Medu</a:t>
             </a:r>
-            <a:endParaRPr lang="en-US" dirty="0" smtClean="0"/>
-          </a:p>
-          <a:p>
-            <a:r>
-              <a:rPr lang="en-US" dirty="0" err="1" smtClean="0"/>
+            <a:endParaRPr lang="en-US" dirty="0" smtClean="0">
+              <a:solidFill>
+                <a:srgbClr val="FFFF00"/>
+              </a:solidFill>
+            </a:endParaRPr>
+          </a:p>
+          <a:p>
+            <a:r>
+              <a:rPr lang="en-US" dirty="0" err="1" smtClean="0">
+                <a:solidFill>
+                  <a:srgbClr val="FFFF00"/>
+                </a:solidFill>
+              </a:rPr>
               <a:t>Fedu</a:t>
             </a:r>
-            <a:endParaRPr lang="en-US" dirty="0" smtClean="0"/>
-          </a:p>
-          <a:p>
-            <a:r>
-              <a:rPr lang="en-US" dirty="0" smtClean="0"/>
+            <a:endParaRPr lang="en-US" dirty="0" smtClean="0">
+              <a:solidFill>
+                <a:srgbClr val="FFFF00"/>
+              </a:solidFill>
+            </a:endParaRPr>
+          </a:p>
+          <a:p>
+            <a:r>
+              <a:rPr lang="en-US" dirty="0" smtClean="0">
+                <a:solidFill>
+                  <a:srgbClr val="FFFF00"/>
+                </a:solidFill>
+              </a:rPr>
               <a:t>Internet = no</a:t>
             </a:r>
           </a:p>
@@ -7209,17 +8178,33 @@
           <a:lstStyle/>
           <a:p>
             <a:r>
-              <a:rPr lang="en-US" dirty="0" smtClean="0"/>
+              <a:rPr lang="en-US" dirty="0" smtClean="0">
+                <a:solidFill>
+                  <a:srgbClr val="FFFF00"/>
+                </a:solidFill>
+              </a:rPr>
               <a:t>Comparison </a:t>
             </a:r>
             <a:br>
-              <a:rPr lang="en-US" dirty="0" smtClean="0"/>
+              <a:rPr lang="en-US" dirty="0" smtClean="0">
+                <a:solidFill>
+                  <a:srgbClr val="FFFF00"/>
+                </a:solidFill>
+              </a:rPr>
             </a:br>
             <a:r>
-              <a:rPr lang="en-US" dirty="0" smtClean="0"/>
+              <a:rPr lang="en-US" dirty="0" smtClean="0">
+                <a:solidFill>
+                  <a:srgbClr val="FFFF00"/>
+                </a:solidFill>
+              </a:rPr>
               <a:t>Math vs. Portuguese</a:t>
             </a:r>
-            <a:endParaRPr lang="en-US" dirty="0"/>
+            <a:endParaRPr lang="en-US" dirty="0">
+              <a:solidFill>
+                <a:srgbClr val="FFFF00"/>
+              </a:solidFill>
+            </a:endParaRPr>
           </a:p>
         </p:txBody>
       </p:sp>
@@ -7288,28 +8273,48 @@
           <a:lstStyle/>
           <a:p>
             <a:r>
-              <a:rPr lang="en-US" dirty="0" smtClean="0"/>
+              <a:rPr lang="en-US" dirty="0" smtClean="0">
+                <a:solidFill>
+                  <a:srgbClr val="FFFF00"/>
+                </a:solidFill>
+              </a:rPr>
               <a:t>More features were excluded from the Portuguese model</a:t>
             </a:r>
           </a:p>
           <a:p>
-            <a:endParaRPr lang="en-US" dirty="0" smtClean="0"/>
+            <a:endParaRPr lang="en-US" dirty="0" smtClean="0">
+              <a:solidFill>
+                <a:srgbClr val="FFFF00"/>
+              </a:solidFill>
+            </a:endParaRPr>
           </a:p>
           <a:p>
             <a:pPr lvl="1"/>
             <a:r>
-              <a:rPr lang="en-US" dirty="0" smtClean="0"/>
+              <a:rPr lang="en-US" dirty="0" smtClean="0">
+                <a:solidFill>
+                  <a:srgbClr val="FFFF00"/>
+                </a:solidFill>
+              </a:rPr>
               <a:t>Number of features selected for the Math Lasso was 18</a:t>
             </a:r>
           </a:p>
           <a:p>
             <a:pPr lvl="1"/>
-            <a:endParaRPr lang="en-US" dirty="0" smtClean="0"/>
+            <a:endParaRPr lang="en-US" dirty="0" smtClean="0">
+              <a:solidFill>
+                <a:srgbClr val="FFFF00"/>
+              </a:solidFill>
+            </a:endParaRPr>
           </a:p>
           <a:p>
             <a:pPr lvl="1"/>
             <a:r>
-              <a:rPr lang="en-US" dirty="0" smtClean="0"/>
+              <a:rPr lang="en-US" dirty="0" smtClean="0">
+                <a:solidFill>
+                  <a:srgbClr val="FFFF00"/>
+                </a:solidFill>
+              </a:rPr>
               <a:t>Number of features selected for the Portuguese Lasso was 11</a:t>
             </a:r>
           </a:p>
@@ -7366,10 +8371,18 @@
           <a:lstStyle/>
           <a:p>
             <a:r>
-              <a:rPr lang="en-US" dirty="0" smtClean="0"/>
+              <a:rPr lang="en-US" dirty="0" smtClean="0">
+                <a:solidFill>
+                  <a:srgbClr val="FFFF00"/>
+                </a:solidFill>
+              </a:rPr>
               <a:t>Features used in Math but excluded from Portuguese</a:t>
             </a:r>
-            <a:endParaRPr lang="en-US" dirty="0"/>
+            <a:endParaRPr lang="en-US" dirty="0">
+              <a:solidFill>
+                <a:srgbClr val="FFFF00"/>
+              </a:solidFill>
+            </a:endParaRPr>
           </a:p>
         </p:txBody>
       </p:sp>
@@ -7413,39 +8426,67 @@
           <a:lstStyle/>
           <a:p>
             <a:r>
-              <a:rPr lang="en-US" sz="2800" dirty="0" smtClean="0"/>
+              <a:rPr lang="en-US" sz="2800" dirty="0" smtClean="0">
+                <a:solidFill>
+                  <a:srgbClr val="FFFF00"/>
+                </a:solidFill>
+              </a:rPr>
               <a:t>Age</a:t>
             </a:r>
           </a:p>
           <a:p>
             <a:r>
-              <a:rPr lang="en-US" sz="2800" dirty="0" smtClean="0"/>
+              <a:rPr lang="en-US" sz="2800" dirty="0" smtClean="0">
+                <a:solidFill>
+                  <a:srgbClr val="FFFF00"/>
+                </a:solidFill>
+              </a:rPr>
               <a:t>Romantic = yes</a:t>
             </a:r>
           </a:p>
           <a:p>
             <a:r>
-              <a:rPr lang="en-US" sz="2800" dirty="0" err="1" smtClean="0"/>
+              <a:rPr lang="en-US" sz="2800" dirty="0" err="1" smtClean="0">
+                <a:solidFill>
+                  <a:srgbClr val="FFFF00"/>
+                </a:solidFill>
+              </a:rPr>
               <a:t>Mjob</a:t>
             </a:r>
             <a:r>
-              <a:rPr lang="en-US" sz="2800" dirty="0" smtClean="0"/>
+              <a:rPr lang="en-US" sz="2800" dirty="0" smtClean="0">
+                <a:solidFill>
+                  <a:srgbClr val="FFFF00"/>
+                </a:solidFill>
+              </a:rPr>
               <a:t> = health, services or other</a:t>
             </a:r>
           </a:p>
           <a:p>
             <a:r>
-              <a:rPr lang="en-US" sz="2800" dirty="0" err="1" smtClean="0"/>
+              <a:rPr lang="en-US" sz="2800" dirty="0" err="1" smtClean="0">
+                <a:solidFill>
+                  <a:srgbClr val="FFFF00"/>
+                </a:solidFill>
+              </a:rPr>
               <a:t>Famsize</a:t>
             </a:r>
             <a:r>
-              <a:rPr lang="en-US" sz="2800" dirty="0" smtClean="0"/>
+              <a:rPr lang="en-US" sz="2800" dirty="0" smtClean="0">
+                <a:solidFill>
+                  <a:srgbClr val="FFFF00"/>
+                </a:solidFill>
+              </a:rPr>
               <a:t> &gt; 3</a:t>
             </a:r>
           </a:p>
           <a:p>
             <a:r>
-              <a:rPr lang="en-US" sz="2800" dirty="0" smtClean="0"/>
+              <a:rPr lang="en-US" sz="2800" dirty="0" smtClean="0">
+                <a:solidFill>
+                  <a:srgbClr val="FFFF00"/>
+                </a:solidFill>
+              </a:rPr>
               <a:t>Guardian = Father</a:t>
             </a:r>
           </a:p>
@@ -7500,43 +8541,79 @@
           <a:lstStyle/>
           <a:p>
             <a:r>
-              <a:rPr lang="en-US" sz="2800" dirty="0" smtClean="0"/>
+              <a:rPr lang="en-US" sz="2800" dirty="0" smtClean="0">
+                <a:solidFill>
+                  <a:srgbClr val="FFFF00"/>
+                </a:solidFill>
+              </a:rPr>
               <a:t>Sex = female</a:t>
             </a:r>
           </a:p>
           <a:p>
             <a:r>
-              <a:rPr lang="en-US" sz="2800" dirty="0" err="1" smtClean="0"/>
+              <a:rPr lang="en-US" sz="2800" dirty="0" err="1" smtClean="0">
+                <a:solidFill>
+                  <a:srgbClr val="FFFF00"/>
+                </a:solidFill>
+              </a:rPr>
               <a:t>Famsup</a:t>
             </a:r>
             <a:r>
-              <a:rPr lang="en-US" sz="2800" dirty="0" smtClean="0"/>
+              <a:rPr lang="en-US" sz="2800" dirty="0" smtClean="0">
+                <a:solidFill>
+                  <a:srgbClr val="FFFF00"/>
+                </a:solidFill>
+              </a:rPr>
               <a:t> = No</a:t>
             </a:r>
           </a:p>
           <a:p>
             <a:r>
-              <a:rPr lang="en-US" sz="2800" dirty="0" err="1" smtClean="0"/>
+              <a:rPr lang="en-US" sz="2800" dirty="0" err="1" smtClean="0">
+                <a:solidFill>
+                  <a:srgbClr val="FFFF00"/>
+                </a:solidFill>
+              </a:rPr>
               <a:t>Traveltime</a:t>
             </a:r>
-            <a:endParaRPr lang="en-US" sz="2800" dirty="0" smtClean="0"/>
-          </a:p>
-          <a:p>
-            <a:r>
-              <a:rPr lang="en-US" sz="2800" dirty="0" smtClean="0"/>
+            <a:endParaRPr lang="en-US" sz="2800" dirty="0" smtClean="0">
+              <a:solidFill>
+                <a:srgbClr val="FFFF00"/>
+              </a:solidFill>
+            </a:endParaRPr>
+          </a:p>
+          <a:p>
+            <a:r>
+              <a:rPr lang="en-US" sz="2800" dirty="0" smtClean="0">
+                <a:solidFill>
+                  <a:srgbClr val="FFFF00"/>
+                </a:solidFill>
+              </a:rPr>
               <a:t>Reasons to choose school  for the course</a:t>
             </a:r>
           </a:p>
           <a:p>
             <a:r>
-              <a:rPr lang="en-US" sz="2800" dirty="0" err="1" smtClean="0"/>
+              <a:rPr lang="en-US" sz="2800" dirty="0" err="1" smtClean="0">
+                <a:solidFill>
+                  <a:srgbClr val="FFFF00"/>
+                </a:solidFill>
+              </a:rPr>
               <a:t>Goout</a:t>
             </a:r>
             <a:r>
-              <a:rPr lang="en-US" sz="2800" dirty="0" smtClean="0"/>
+              <a:rPr lang="en-US" sz="2800" dirty="0" smtClean="0">
+                <a:solidFill>
+                  <a:srgbClr val="FFFF00"/>
+                </a:solidFill>
+              </a:rPr>
               <a:t> </a:t>
             </a:r>
-            <a:endParaRPr lang="en-US" sz="2800" dirty="0"/>
+            <a:endParaRPr lang="en-US" sz="2800" dirty="0">
+              <a:solidFill>
+                <a:srgbClr val="FFFF00"/>
+              </a:solidFill>
+            </a:endParaRPr>
           </a:p>
         </p:txBody>
       </p:sp>
@@ -7588,10 +8665,18 @@
           <a:lstStyle/>
           <a:p>
             <a:r>
-              <a:rPr lang="en-US" dirty="0" smtClean="0"/>
+              <a:rPr lang="en-US" dirty="0" smtClean="0">
+                <a:solidFill>
+                  <a:srgbClr val="FFFF00"/>
+                </a:solidFill>
+              </a:rPr>
               <a:t>Features selected for Portuguese but excluded from Math</a:t>
             </a:r>
-            <a:endParaRPr lang="en-US" dirty="0"/>
+            <a:endParaRPr lang="en-US" dirty="0">
+              <a:solidFill>
+                <a:srgbClr val="FFFF00"/>
+              </a:solidFill>
+            </a:endParaRPr>
           </a:p>
         </p:txBody>
       </p:sp>
@@ -7616,36 +8701,68 @@
           <a:lstStyle/>
           <a:p>
             <a:r>
-              <a:rPr lang="en-US" dirty="0" smtClean="0"/>
+              <a:rPr lang="en-US" dirty="0" smtClean="0">
+                <a:solidFill>
+                  <a:srgbClr val="FFFF00"/>
+                </a:solidFill>
+              </a:rPr>
               <a:t>Internet = no</a:t>
             </a:r>
           </a:p>
           <a:p>
             <a:r>
-              <a:rPr lang="en-US" dirty="0" smtClean="0"/>
+              <a:rPr lang="en-US" dirty="0" smtClean="0">
+                <a:solidFill>
+                  <a:srgbClr val="FFFF00"/>
+                </a:solidFill>
+              </a:rPr>
               <a:t>School = GP</a:t>
             </a:r>
           </a:p>
           <a:p>
             <a:r>
-              <a:rPr lang="en-US" dirty="0" err="1" smtClean="0"/>
+              <a:rPr lang="en-US" dirty="0" err="1" smtClean="0">
+                <a:solidFill>
+                  <a:srgbClr val="FFFF00"/>
+                </a:solidFill>
+              </a:rPr>
               <a:t>Walc</a:t>
             </a:r>
-            <a:endParaRPr lang="en-US" dirty="0" smtClean="0"/>
-          </a:p>
-          <a:p>
-            <a:r>
-              <a:rPr lang="en-US" dirty="0" err="1" smtClean="0"/>
+            <a:endParaRPr lang="en-US" dirty="0" smtClean="0">
+              <a:solidFill>
+                <a:srgbClr val="FFFF00"/>
+              </a:solidFill>
+            </a:endParaRPr>
+          </a:p>
+          <a:p>
+            <a:r>
+              <a:rPr lang="en-US" dirty="0" err="1" smtClean="0">
+                <a:solidFill>
+                  <a:srgbClr val="FFFF00"/>
+                </a:solidFill>
+              </a:rPr>
               <a:t>Dalc</a:t>
             </a:r>
-            <a:endParaRPr lang="en-US" dirty="0" smtClean="0"/>
-          </a:p>
-          <a:p>
-            <a:r>
-              <a:rPr lang="en-US" dirty="0" err="1" smtClean="0"/>
+            <a:endParaRPr lang="en-US" dirty="0" smtClean="0">
+              <a:solidFill>
+                <a:srgbClr val="FFFF00"/>
+              </a:solidFill>
+            </a:endParaRPr>
+          </a:p>
+          <a:p>
+            <a:r>
+              <a:rPr lang="en-US" dirty="0" err="1" smtClean="0">
+                <a:solidFill>
+                  <a:srgbClr val="FFFF00"/>
+                </a:solidFill>
+              </a:rPr>
               <a:t>Fedu</a:t>
             </a:r>
-            <a:endParaRPr lang="en-US" dirty="0" smtClean="0"/>
+            <a:endParaRPr lang="en-US" dirty="0" smtClean="0">
+              <a:solidFill>
+                <a:srgbClr val="FFFF00"/>
+              </a:solidFill>
+            </a:endParaRPr>
           </a:p>
           <a:p>
             <a:endParaRPr lang="en-US" dirty="0"/>
@@ -7700,10 +8817,18 @@
           <a:lstStyle/>
           <a:p>
             <a:r>
-              <a:rPr lang="en-US" dirty="0" smtClean="0"/>
+              <a:rPr lang="en-US" dirty="0" smtClean="0">
+                <a:solidFill>
+                  <a:srgbClr val="FFFF00"/>
+                </a:solidFill>
+              </a:rPr>
               <a:t>Things in common for Math and Portuguese grades</a:t>
             </a:r>
-            <a:endParaRPr lang="en-US" dirty="0"/>
+            <a:endParaRPr lang="en-US" dirty="0">
+              <a:solidFill>
+                <a:srgbClr val="FFFF00"/>
+              </a:solidFill>
+            </a:endParaRPr>
           </a:p>
         </p:txBody>
       </p:sp>
@@ -7730,25 +8855,45 @@
           <a:lstStyle/>
           <a:p>
             <a:r>
-              <a:rPr lang="en-US" dirty="0" smtClean="0"/>
+              <a:rPr lang="en-US" dirty="0" smtClean="0">
+                <a:solidFill>
+                  <a:srgbClr val="FFFF00"/>
+                </a:solidFill>
+              </a:rPr>
               <a:t>Students that did not wish to pursue higher education had a negative impact on grades </a:t>
             </a:r>
           </a:p>
           <a:p>
-            <a:endParaRPr lang="en-US" dirty="0" smtClean="0"/>
-          </a:p>
-          <a:p>
-            <a:r>
-              <a:rPr lang="en-US" dirty="0" smtClean="0"/>
+            <a:endParaRPr lang="en-US" dirty="0" smtClean="0">
+              <a:solidFill>
+                <a:srgbClr val="FFFF00"/>
+              </a:solidFill>
+            </a:endParaRPr>
+          </a:p>
+          <a:p>
+            <a:r>
+              <a:rPr lang="en-US" dirty="0" smtClean="0">
+                <a:solidFill>
+                  <a:srgbClr val="FFFF00"/>
+                </a:solidFill>
+              </a:rPr>
               <a:t> Increased value in the past class failures had a negative impact on grades</a:t>
             </a:r>
           </a:p>
           <a:p>
-            <a:endParaRPr lang="en-US" dirty="0" smtClean="0"/>
-          </a:p>
-          <a:p>
-            <a:r>
-              <a:rPr lang="en-US" dirty="0" smtClean="0"/>
+            <a:endParaRPr lang="en-US" dirty="0" smtClean="0">
+              <a:solidFill>
+                <a:srgbClr val="FFFF00"/>
+              </a:solidFill>
+            </a:endParaRPr>
+          </a:p>
+          <a:p>
+            <a:r>
+              <a:rPr lang="en-US" dirty="0" smtClean="0">
+                <a:solidFill>
+                  <a:srgbClr val="FFFF00"/>
+                </a:solidFill>
+              </a:rPr>
               <a:t>Attending a school for it’s reputation had a positive impact</a:t>
             </a:r>
           </a:p>
@@ -7813,55 +8958,116 @@
           </a:p>
           <a:p>
             <a:r>
-              <a:rPr lang="en-US" dirty="0"/>
-              <a:t>What factors are the same in predicting the performance of students test scores for </a:t>
-            </a:r>
-            <a:r>
-              <a:rPr lang="en-US" dirty="0" smtClean="0"/>
+              <a:rPr lang="en-US" dirty="0">
+                <a:solidFill>
+                  <a:srgbClr val="FFFF00"/>
+                </a:solidFill>
+              </a:rPr>
+              <a:t>What factors are the same in predicting the performance of </a:t>
+            </a:r>
+            <a:r>
+              <a:rPr lang="en-US" dirty="0" smtClean="0">
+                <a:solidFill>
+                  <a:srgbClr val="FFFF00"/>
+                </a:solidFill>
+              </a:rPr>
+              <a:t>student’s </a:t>
+            </a:r>
+            <a:r>
+              <a:rPr lang="en-US" dirty="0">
+                <a:solidFill>
+                  <a:srgbClr val="FFFF00"/>
+                </a:solidFill>
+              </a:rPr>
+              <a:t>test scores for </a:t>
+            </a:r>
+            <a:r>
+              <a:rPr lang="en-US" dirty="0" smtClean="0">
+                <a:solidFill>
+                  <a:srgbClr val="FFFF00"/>
+                </a:solidFill>
+              </a:rPr>
               <a:t>Math </a:t>
             </a:r>
             <a:r>
-              <a:rPr lang="en-US" dirty="0"/>
+              <a:rPr lang="en-US" dirty="0">
+                <a:solidFill>
+                  <a:srgbClr val="FFFF00"/>
+                </a:solidFill>
+              </a:rPr>
               <a:t>and Portuguese</a:t>
             </a:r>
             <a:r>
-              <a:rPr lang="en-US" dirty="0" smtClean="0"/>
+              <a:rPr lang="en-US" dirty="0" smtClean="0">
+                <a:solidFill>
+                  <a:srgbClr val="FFFF00"/>
+                </a:solidFill>
+              </a:rPr>
               <a:t>?</a:t>
             </a:r>
           </a:p>
           <a:p>
-            <a:endParaRPr lang="en-US" dirty="0" smtClean="0"/>
-          </a:p>
-          <a:p>
-            <a:r>
-              <a:rPr lang="en-US" dirty="0" smtClean="0"/>
+            <a:endParaRPr lang="en-US" dirty="0" smtClean="0">
+              <a:solidFill>
+                <a:srgbClr val="FFFF00"/>
+              </a:solidFill>
+            </a:endParaRPr>
+          </a:p>
+          <a:p>
+            <a:r>
+              <a:rPr lang="en-US" dirty="0" smtClean="0">
+                <a:solidFill>
+                  <a:srgbClr val="FFFF00"/>
+                </a:solidFill>
+              </a:rPr>
               <a:t>What </a:t>
             </a:r>
             <a:r>
-              <a:rPr lang="en-US" dirty="0"/>
+              <a:rPr lang="en-US" dirty="0">
+                <a:solidFill>
+                  <a:srgbClr val="FFFF00"/>
+                </a:solidFill>
+              </a:rPr>
               <a:t>factors </a:t>
             </a:r>
             <a:r>
-              <a:rPr lang="en-US" dirty="0" smtClean="0"/>
+              <a:rPr lang="en-US" dirty="0" smtClean="0">
+                <a:solidFill>
+                  <a:srgbClr val="FFFF00"/>
+                </a:solidFill>
+              </a:rPr>
               <a:t>are different in predicting the performance of student’s test scores for Math and Portuguese?</a:t>
             </a:r>
           </a:p>
           <a:p>
-            <a:endParaRPr lang="en-US" dirty="0"/>
-          </a:p>
-          <a:p>
-            <a:r>
-              <a:rPr lang="en-US" dirty="0"/>
+            <a:endParaRPr lang="en-US" dirty="0">
+              <a:solidFill>
+                <a:srgbClr val="FFFF00"/>
+              </a:solidFill>
+            </a:endParaRPr>
+          </a:p>
+          <a:p>
+            <a:r>
+              <a:rPr lang="en-US" dirty="0">
+                <a:solidFill>
+                  <a:srgbClr val="FFFF00"/>
+                </a:solidFill>
+              </a:rPr>
               <a:t>How could someone improve their test score in </a:t>
             </a:r>
             <a:r>
-              <a:rPr lang="en-US" dirty="0" err="1"/>
-              <a:t>Maths</a:t>
-            </a:r>
-            <a:r>
-              <a:rPr lang="en-US" dirty="0"/>
-              <a:t> (or Portuguese)?</a:t>
-            </a:r>
+              <a:rPr lang="en-US" dirty="0" smtClean="0">
+                <a:solidFill>
+                  <a:srgbClr val="FFFF00"/>
+                </a:solidFill>
+              </a:rPr>
+              <a:t>Math &amp; Portuguese?</a:t>
+            </a:r>
+            <a:endParaRPr lang="en-US" dirty="0">
+              <a:solidFill>
+                <a:srgbClr val="FFFF00"/>
+              </a:solidFill>
+            </a:endParaRPr>
           </a:p>
         </p:txBody>
       </p:sp>
@@ -7918,10 +9124,18 @@
           <a:lstStyle/>
           <a:p>
             <a:r>
-              <a:rPr lang="en-US" dirty="0" smtClean="0"/>
+              <a:rPr lang="en-US" dirty="0" smtClean="0">
+                <a:solidFill>
+                  <a:srgbClr val="FFFF00"/>
+                </a:solidFill>
+              </a:rPr>
               <a:t>Common for both cont.</a:t>
             </a:r>
-            <a:endParaRPr lang="en-US" dirty="0"/>
+            <a:endParaRPr lang="en-US" dirty="0">
+              <a:solidFill>
+                <a:srgbClr val="FFFF00"/>
+              </a:solidFill>
+            </a:endParaRPr>
           </a:p>
         </p:txBody>
       </p:sp>
@@ -7941,28 +9155,52 @@
           <a:lstStyle/>
           <a:p>
             <a:r>
-              <a:rPr lang="en-US" dirty="0" smtClean="0"/>
+              <a:rPr lang="en-US" dirty="0" smtClean="0">
+                <a:solidFill>
+                  <a:srgbClr val="FFFF00"/>
+                </a:solidFill>
+              </a:rPr>
               <a:t>Students that did not require extra education support had a positive influence</a:t>
             </a:r>
           </a:p>
           <a:p>
-            <a:endParaRPr lang="en-US" dirty="0"/>
-          </a:p>
-          <a:p>
-            <a:r>
-              <a:rPr lang="en-US" dirty="0" smtClean="0"/>
+            <a:endParaRPr lang="en-US" dirty="0">
+              <a:solidFill>
+                <a:srgbClr val="FFFF00"/>
+              </a:solidFill>
+            </a:endParaRPr>
+          </a:p>
+          <a:p>
+            <a:r>
+              <a:rPr lang="en-US" dirty="0" smtClean="0">
+                <a:solidFill>
+                  <a:srgbClr val="FFFF00"/>
+                </a:solidFill>
+              </a:rPr>
               <a:t>The more the student studies, the better the grade</a:t>
             </a:r>
           </a:p>
           <a:p>
-            <a:endParaRPr lang="en-US" dirty="0"/>
-          </a:p>
-          <a:p>
-            <a:r>
-              <a:rPr lang="en-US" dirty="0" smtClean="0"/>
+            <a:endParaRPr lang="en-US" dirty="0">
+              <a:solidFill>
+                <a:srgbClr val="FFFF00"/>
+              </a:solidFill>
+            </a:endParaRPr>
+          </a:p>
+          <a:p>
+            <a:r>
+              <a:rPr lang="en-US" dirty="0" smtClean="0">
+                <a:solidFill>
+                  <a:srgbClr val="FFFF00"/>
+                </a:solidFill>
+              </a:rPr>
               <a:t>Mother’s level of education, as level of education increase, the grade increases</a:t>
             </a:r>
-            <a:endParaRPr lang="en-US" dirty="0"/>
+            <a:endParaRPr lang="en-US" dirty="0">
+              <a:solidFill>
+                <a:srgbClr val="FFFF00"/>
+              </a:solidFill>
+            </a:endParaRPr>
           </a:p>
         </p:txBody>
       </p:sp>
@@ -8012,10 +9250,18 @@
           <a:lstStyle/>
           <a:p>
             <a:r>
-              <a:rPr lang="en-US" dirty="0" smtClean="0"/>
+              <a:rPr lang="en-US" dirty="0" smtClean="0">
+                <a:solidFill>
+                  <a:srgbClr val="FFFF00"/>
+                </a:solidFill>
+              </a:rPr>
               <a:t>Some differences</a:t>
             </a:r>
-            <a:endParaRPr lang="en-US" dirty="0"/>
+            <a:endParaRPr lang="en-US" dirty="0">
+              <a:solidFill>
+                <a:srgbClr val="FFFF00"/>
+              </a:solidFill>
+            </a:endParaRPr>
           </a:p>
         </p:txBody>
       </p:sp>
@@ -8040,7 +9286,11 @@
           <a:lstStyle/>
           <a:p>
             <a:r>
-              <a:rPr lang="en-US" dirty="0" smtClean="0"/>
+              <a:rPr lang="en-US" dirty="0" smtClean="0">
+                <a:solidFill>
+                  <a:srgbClr val="FFFF00"/>
+                </a:solidFill>
+              </a:rPr>
               <a:t>Student drinking habits has an impact on the Portuguese grades but were not included in the Math selection.  The greater the level of drinking the lower the grade.</a:t>
             </a:r>
           </a:p>
@@ -8114,23 +9364,43 @@
           <a:lstStyle/>
           <a:p>
             <a:r>
-              <a:rPr lang="en-US" dirty="0"/>
+              <a:rPr lang="en-US" dirty="0">
+                <a:solidFill>
+                  <a:srgbClr val="FFFF00"/>
+                </a:solidFill>
+              </a:rPr>
               <a:t>One of the schools was a factor in the Portuguese grades, so maybe that school has a better language teacher(s</a:t>
             </a:r>
             <a:r>
-              <a:rPr lang="en-US" dirty="0" smtClean="0"/>
+              <a:rPr lang="en-US" dirty="0" smtClean="0">
+                <a:solidFill>
+                  <a:srgbClr val="FFFF00"/>
+                </a:solidFill>
+              </a:rPr>
               <a:t>)?</a:t>
             </a:r>
           </a:p>
           <a:p>
-            <a:endParaRPr lang="en-US" dirty="0"/>
-          </a:p>
-          <a:p>
-            <a:r>
-              <a:rPr lang="en-US" dirty="0" smtClean="0"/>
+            <a:endParaRPr lang="en-US" dirty="0">
+              <a:solidFill>
+                <a:srgbClr val="FFFF00"/>
+              </a:solidFill>
+            </a:endParaRPr>
+          </a:p>
+          <a:p>
+            <a:r>
+              <a:rPr lang="en-US" dirty="0" smtClean="0">
+                <a:solidFill>
+                  <a:srgbClr val="FFFF00"/>
+                </a:solidFill>
+              </a:rPr>
               <a:t>Mother’s level of education impacted Portuguese grades but not Math.  Not sure how to interpret that.  Maybe higher level of education indicates study of languages</a:t>
             </a:r>
-            <a:endParaRPr lang="en-US" dirty="0"/>
+            <a:endParaRPr lang="en-US" dirty="0">
+              <a:solidFill>
+                <a:srgbClr val="FFFF00"/>
+              </a:solidFill>
+            </a:endParaRPr>
           </a:p>
         </p:txBody>
       </p:sp>
@@ -8199,27 +9469,51 @@
           <a:lstStyle/>
           <a:p>
             <a:r>
-              <a:rPr lang="en-US" dirty="0" smtClean="0"/>
+              <a:rPr lang="en-US" dirty="0" smtClean="0">
+                <a:solidFill>
+                  <a:srgbClr val="FFFF00"/>
+                </a:solidFill>
+              </a:rPr>
               <a:t>Not having internet access was noted to impact Portuguese grades.  I would have thought that would impact either, but the model excluded that from the </a:t>
             </a:r>
             <a:r>
-              <a:rPr lang="en-US" dirty="0" err="1" smtClean="0"/>
+              <a:rPr lang="en-US" dirty="0" err="1" smtClean="0">
+                <a:solidFill>
+                  <a:srgbClr val="FFFF00"/>
+                </a:solidFill>
+              </a:rPr>
               <a:t>Maths</a:t>
             </a:r>
             <a:r>
-              <a:rPr lang="en-US" dirty="0" smtClean="0"/>
+              <a:rPr lang="en-US" dirty="0" smtClean="0">
+                <a:solidFill>
+                  <a:srgbClr val="FFFF00"/>
+                </a:solidFill>
+              </a:rPr>
               <a:t>.</a:t>
             </a:r>
           </a:p>
           <a:p>
-            <a:endParaRPr lang="en-US" dirty="0"/>
-          </a:p>
-          <a:p>
-            <a:r>
-              <a:rPr lang="en-US" dirty="0" smtClean="0"/>
+            <a:endParaRPr lang="en-US" dirty="0">
+              <a:solidFill>
+                <a:srgbClr val="FFFF00"/>
+              </a:solidFill>
+            </a:endParaRPr>
+          </a:p>
+          <a:p>
+            <a:r>
+              <a:rPr lang="en-US" dirty="0" smtClean="0">
+                <a:solidFill>
+                  <a:srgbClr val="FFFF00"/>
+                </a:solidFill>
+              </a:rPr>
               <a:t>Being in a romantic relationship had negative impact on grades for Math</a:t>
             </a:r>
-            <a:endParaRPr lang="en-US" dirty="0"/>
+            <a:endParaRPr lang="en-US" dirty="0">
+              <a:solidFill>
+                <a:srgbClr val="FFFF00"/>
+              </a:solidFill>
+            </a:endParaRPr>
           </a:p>
         </p:txBody>
       </p:sp>
@@ -8288,7 +9582,11 @@
           <a:lstStyle/>
           <a:p>
             <a:r>
-              <a:rPr lang="en-US" dirty="0" smtClean="0"/>
+              <a:rPr lang="en-US" dirty="0" smtClean="0">
+                <a:solidFill>
+                  <a:srgbClr val="FFFF00"/>
+                </a:solidFill>
+              </a:rPr>
               <a:t>It was interesting that the Father’s job of being a teacher had a positive impact on grades which makes sense, but the Mother’s job as teacher was not included in either</a:t>
             </a:r>
           </a:p>
@@ -8339,14 +9637,96 @@
         </p:nvSpPr>
         <p:spPr/>
         <p:txBody>
+          <a:bodyPr>
+            <a:normAutofit fontScale="90000"/>
+          </a:bodyPr>
+          <a:lstStyle/>
+          <a:p>
+            <a:r>
+              <a:rPr lang="en-US" dirty="0" smtClean="0"/>
+              <a:t>What can be done to improve grades</a:t>
+            </a:r>
+            <a:endParaRPr lang="en-US" dirty="0"/>
+          </a:p>
+        </p:txBody>
+      </p:sp>
+      <p:sp>
+        <p:nvSpPr>
+          <p:cNvPr id="3" name="Content Placeholder 2"/>
+          <p:cNvSpPr>
+            <a:spLocks noGrp="1"/>
+          </p:cNvSpPr>
+          <p:nvPr>
+            <p:ph idx="1"/>
+          </p:nvPr>
+        </p:nvSpPr>
+        <p:spPr/>
+        <p:txBody>
           <a:bodyPr/>
           <a:lstStyle/>
           <a:p>
-            <a:r>
-              <a:rPr lang="en-US" dirty="0" smtClean="0"/>
+            <a:endParaRPr lang="en-US"/>
+          </a:p>
+        </p:txBody>
+      </p:sp>
+    </p:spTree>
+    <p:extLst>
+      <p:ext uri="{BB962C8B-B14F-4D97-AF65-F5344CB8AC3E}">
+        <p14:creationId xmlns:p14="http://schemas.microsoft.com/office/powerpoint/2010/main" val="172855182"/>
+      </p:ext>
+    </p:extLst>
+  </p:cSld>
+  <p:clrMapOvr>
+    <a:masterClrMapping/>
+  </p:clrMapOvr>
+</p:sld>
+</file>
+
+<file path=ppt/slides/slide46.xml><?xml version="1.0" encoding="utf-8"?>
+<p:sld xmlns:a="http://schemas.openxmlformats.org/drawingml/2006/main" xmlns:r="http://schemas.openxmlformats.org/officeDocument/2006/relationships" xmlns:p="http://schemas.openxmlformats.org/presentationml/2006/main">
+  <p:cSld>
+    <p:spTree>
+      <p:nvGrpSpPr>
+        <p:cNvPr id="1" name=""/>
+        <p:cNvGrpSpPr/>
+        <p:nvPr/>
+      </p:nvGrpSpPr>
+      <p:grpSpPr>
+        <a:xfrm>
+          <a:off x="0" y="0"/>
+          <a:ext cx="0" cy="0"/>
+          <a:chOff x="0" y="0"/>
+          <a:chExt cx="0" cy="0"/>
+        </a:xfrm>
+      </p:grpSpPr>
+      <p:sp>
+        <p:nvSpPr>
+          <p:cNvPr id="2" name="Title 1"/>
+          <p:cNvSpPr>
+            <a:spLocks noGrp="1"/>
+          </p:cNvSpPr>
+          <p:nvPr>
+            <p:ph type="title"/>
+          </p:nvPr>
+        </p:nvSpPr>
+        <p:spPr/>
+        <p:txBody>
+          <a:bodyPr/>
+          <a:lstStyle/>
+          <a:p>
+            <a:r>
+              <a:rPr lang="en-US" dirty="0" smtClean="0">
+                <a:solidFill>
+                  <a:srgbClr val="FFFF00"/>
+                </a:solidFill>
+              </a:rPr>
               <a:t>What next</a:t>
             </a:r>
-            <a:endParaRPr lang="en-US" dirty="0"/>
+            <a:endParaRPr lang="en-US" dirty="0">
+              <a:solidFill>
+                <a:srgbClr val="FFFF00"/>
+              </a:solidFill>
+            </a:endParaRPr>
           </a:p>
         </p:txBody>
       </p:sp>
@@ -8366,19 +9746,35 @@
           <a:lstStyle/>
           <a:p>
             <a:r>
-              <a:rPr lang="en-US" dirty="0" smtClean="0"/>
+              <a:rPr lang="en-US" dirty="0" smtClean="0">
+                <a:solidFill>
+                  <a:srgbClr val="FFFF00"/>
+                </a:solidFill>
+              </a:rPr>
               <a:t>More models, due to time only Lasso regression was included in this presentation.  </a:t>
             </a:r>
           </a:p>
           <a:p>
-            <a:endParaRPr lang="en-US" dirty="0"/>
-          </a:p>
-          <a:p>
-            <a:r>
-              <a:rPr lang="en-US" dirty="0" smtClean="0"/>
+            <a:endParaRPr lang="en-US" dirty="0">
+              <a:solidFill>
+                <a:srgbClr val="FFFF00"/>
+              </a:solidFill>
+            </a:endParaRPr>
+          </a:p>
+          <a:p>
+            <a:r>
+              <a:rPr lang="en-US" dirty="0" smtClean="0">
+                <a:solidFill>
+                  <a:srgbClr val="FFFF00"/>
+                </a:solidFill>
+              </a:rPr>
               <a:t>I was really interested to see what the trees would show</a:t>
             </a:r>
-            <a:endParaRPr lang="en-US" dirty="0"/>
+            <a:endParaRPr lang="en-US" dirty="0">
+              <a:solidFill>
+                <a:srgbClr val="FFFF00"/>
+              </a:solidFill>
+            </a:endParaRPr>
           </a:p>
         </p:txBody>
       </p:sp>
@@ -8395,7 +9791,7 @@
 </p:sld>
 </file>
 
-<file path=ppt/slides/slide46.xml><?xml version="1.0" encoding="utf-8"?>
+<file path=ppt/slides/slide47.xml><?xml version="1.0" encoding="utf-8"?>
 <p:sld xmlns:a="http://schemas.openxmlformats.org/drawingml/2006/main" xmlns:r="http://schemas.openxmlformats.org/officeDocument/2006/relationships" xmlns:p="http://schemas.openxmlformats.org/presentationml/2006/main">
   <p:cSld>
     <p:spTree>
@@ -8486,10 +9882,18 @@
           <a:lstStyle/>
           <a:p>
             <a:r>
-              <a:rPr lang="en-US" dirty="0" smtClean="0"/>
-              <a:t>process</a:t>
-            </a:r>
-            <a:endParaRPr lang="en-US" dirty="0"/>
+              <a:rPr lang="en-US" dirty="0" smtClean="0">
+                <a:solidFill>
+                  <a:srgbClr val="FFFF00"/>
+                </a:solidFill>
+              </a:rPr>
+              <a:t>Steps</a:t>
+            </a:r>
+            <a:endParaRPr lang="en-US" dirty="0">
+              <a:solidFill>
+                <a:srgbClr val="FFFF00"/>
+              </a:solidFill>
+            </a:endParaRPr>
           </a:p>
         </p:txBody>
       </p:sp>
@@ -8503,34 +9907,77 @@
             <p:ph idx="1"/>
           </p:nvPr>
         </p:nvSpPr>
-        <p:spPr/>
+        <p:spPr>
+          <a:xfrm>
+            <a:off x="457200" y="2833221"/>
+            <a:ext cx="8229600" cy="3292942"/>
+          </a:xfrm>
+        </p:spPr>
         <p:txBody>
           <a:bodyPr/>
           <a:lstStyle/>
           <a:p>
             <a:r>
-              <a:rPr lang="en-US" dirty="0" smtClean="0"/>
+              <a:rPr lang="en-US" dirty="0" smtClean="0">
+                <a:solidFill>
+                  <a:srgbClr val="FFFF00"/>
+                </a:solidFill>
+              </a:rPr>
               <a:t>Read &amp; explore the data</a:t>
             </a:r>
           </a:p>
           <a:p>
             <a:r>
-              <a:rPr lang="en-US" dirty="0" smtClean="0"/>
+              <a:rPr lang="en-US" dirty="0" smtClean="0">
+                <a:solidFill>
+                  <a:srgbClr val="FFFF00"/>
+                </a:solidFill>
+              </a:rPr>
               <a:t>Visualize the data</a:t>
             </a:r>
-            <a:endParaRPr lang="en-US" dirty="0" smtClean="0"/>
-          </a:p>
-          <a:p>
-            <a:r>
-              <a:rPr lang="en-US" dirty="0" smtClean="0"/>
+          </a:p>
+          <a:p>
+            <a:r>
+              <a:rPr lang="en-US" dirty="0" smtClean="0">
+                <a:solidFill>
+                  <a:srgbClr val="FFFF00"/>
+                </a:solidFill>
+              </a:rPr>
               <a:t>Run a regression model on both data sets</a:t>
             </a:r>
           </a:p>
           <a:p>
             <a:r>
-              <a:rPr lang="en-US" dirty="0" smtClean="0"/>
-              <a:t>Review the results</a:t>
-            </a:r>
+              <a:rPr lang="en-US" dirty="0" smtClean="0">
+                <a:solidFill>
+                  <a:srgbClr val="FFFF00"/>
+                </a:solidFill>
+              </a:rPr>
+              <a:t>Review the </a:t>
+            </a:r>
+            <a:r>
+              <a:rPr lang="en-US" dirty="0" smtClean="0">
+                <a:solidFill>
+                  <a:srgbClr val="FFFF00"/>
+                </a:solidFill>
+              </a:rPr>
+              <a:t>results </a:t>
+            </a:r>
+          </a:p>
+          <a:p>
+            <a:r>
+              <a:rPr lang="en-US" dirty="0" smtClean="0">
+                <a:solidFill>
+                  <a:srgbClr val="FFFF00"/>
+                </a:solidFill>
+              </a:rPr>
+              <a:t>Compare the two result sets</a:t>
+            </a:r>
+            <a:endParaRPr lang="en-US" dirty="0" smtClean="0">
+              <a:solidFill>
+                <a:srgbClr val="FFFF00"/>
+              </a:solidFill>
+            </a:endParaRPr>
           </a:p>
           <a:p>
             <a:endParaRPr lang="en-US" dirty="0"/>
@@ -8595,10 +10042,18 @@
           <a:lstStyle/>
           <a:p>
             <a:r>
-              <a:rPr lang="en-US" dirty="0" smtClean="0"/>
+              <a:rPr lang="en-US" dirty="0" smtClean="0">
+                <a:solidFill>
+                  <a:srgbClr val="FFFF00"/>
+                </a:solidFill>
+              </a:rPr>
               <a:t>Exploring the Data</a:t>
             </a:r>
-            <a:endParaRPr lang="en-US" dirty="0"/>
+            <a:endParaRPr lang="en-US" dirty="0">
+              <a:solidFill>
+                <a:srgbClr val="FFFF00"/>
+              </a:solidFill>
+            </a:endParaRPr>
           </a:p>
         </p:txBody>
       </p:sp>
@@ -8679,10 +10134,18 @@
           <a:lstStyle/>
           <a:p>
             <a:r>
-              <a:rPr lang="en-US" sz="4000" dirty="0" smtClean="0"/>
+              <a:rPr lang="en-US" sz="4000" dirty="0" smtClean="0">
+                <a:solidFill>
+                  <a:srgbClr val="FFFF00"/>
+                </a:solidFill>
+              </a:rPr>
               <a:t>Profile of the math dataset</a:t>
             </a:r>
-            <a:endParaRPr lang="en-US" sz="4000" dirty="0"/>
+            <a:endParaRPr lang="en-US" sz="4000" dirty="0">
+              <a:solidFill>
+                <a:srgbClr val="FFFF00"/>
+              </a:solidFill>
+            </a:endParaRPr>
           </a:p>
         </p:txBody>
       </p:sp>
@@ -8707,44 +10170,72 @@
           <a:lstStyle/>
           <a:p>
             <a:r>
-              <a:rPr lang="en-US" dirty="0" smtClean="0"/>
+              <a:rPr lang="en-US" dirty="0" smtClean="0">
+                <a:solidFill>
+                  <a:srgbClr val="FFFF00"/>
+                </a:solidFill>
+              </a:rPr>
               <a:t>Number of variables : 33</a:t>
             </a:r>
           </a:p>
           <a:p>
             <a:r>
-              <a:rPr lang="en-US" dirty="0" smtClean="0"/>
+              <a:rPr lang="en-US" dirty="0" smtClean="0">
+                <a:solidFill>
+                  <a:srgbClr val="FFFF00"/>
+                </a:solidFill>
+              </a:rPr>
               <a:t>Number of observations: 395</a:t>
             </a:r>
           </a:p>
           <a:p>
             <a:r>
-              <a:rPr lang="en-US" dirty="0" smtClean="0"/>
+              <a:rPr lang="en-US" dirty="0" smtClean="0">
+                <a:solidFill>
+                  <a:srgbClr val="FFFF00"/>
+                </a:solidFill>
+              </a:rPr>
               <a:t>Total missing: 0%</a:t>
             </a:r>
           </a:p>
           <a:p>
             <a:r>
-              <a:rPr lang="en-US" dirty="0" smtClean="0"/>
+              <a:rPr lang="en-US" dirty="0" smtClean="0">
+                <a:solidFill>
+                  <a:srgbClr val="FFFF00"/>
+                </a:solidFill>
+              </a:rPr>
               <a:t>Variable type numeric: 15</a:t>
             </a:r>
           </a:p>
           <a:p>
             <a:r>
-              <a:rPr lang="en-US" dirty="0" smtClean="0"/>
+              <a:rPr lang="en-US" dirty="0" smtClean="0">
+                <a:solidFill>
+                  <a:srgbClr val="FFFF00"/>
+                </a:solidFill>
+              </a:rPr>
               <a:t>Variable type categorical: 17</a:t>
             </a:r>
           </a:p>
           <a:p>
             <a:r>
-              <a:rPr lang="en-US" dirty="0" smtClean="0"/>
+              <a:rPr lang="en-US" dirty="0" smtClean="0">
+                <a:solidFill>
+                  <a:srgbClr val="FFFF00"/>
+                </a:solidFill>
+              </a:rPr>
               <a:t>Rejected = 1  </a:t>
             </a:r>
           </a:p>
           <a:p>
             <a:pPr lvl="1"/>
             <a:r>
-              <a:rPr lang="en-US" dirty="0" smtClean="0"/>
+              <a:rPr lang="en-US" dirty="0" smtClean="0">
+                <a:solidFill>
+                  <a:srgbClr val="FFFF00"/>
+                </a:solidFill>
+              </a:rPr>
               <a:t>G3 highly correlated with G2 (.90487)</a:t>
             </a:r>
           </a:p>
@@ -8816,10 +10307,18 @@
           <a:lstStyle/>
           <a:p>
             <a:r>
-              <a:rPr lang="en-US" sz="4000" dirty="0" smtClean="0"/>
+              <a:rPr lang="en-US" sz="4000" dirty="0" smtClean="0">
+                <a:solidFill>
+                  <a:srgbClr val="FFFF00"/>
+                </a:solidFill>
+              </a:rPr>
               <a:t>Profile of Portuguese dataset</a:t>
             </a:r>
-            <a:endParaRPr lang="en-US" sz="4000" dirty="0"/>
+            <a:endParaRPr lang="en-US" sz="4000" dirty="0">
+              <a:solidFill>
+                <a:srgbClr val="FFFF00"/>
+              </a:solidFill>
+            </a:endParaRPr>
           </a:p>
         </p:txBody>
       </p:sp>
@@ -8844,61 +10343,113 @@
           <a:lstStyle/>
           <a:p>
             <a:r>
-              <a:rPr lang="en-US" dirty="0"/>
+              <a:rPr lang="en-US" dirty="0">
+                <a:solidFill>
+                  <a:srgbClr val="FFFF00"/>
+                </a:solidFill>
+              </a:rPr>
               <a:t>Number of variables : 33</a:t>
             </a:r>
           </a:p>
           <a:p>
             <a:r>
-              <a:rPr lang="en-US" dirty="0"/>
+              <a:rPr lang="en-US" dirty="0">
+                <a:solidFill>
+                  <a:srgbClr val="FFFF00"/>
+                </a:solidFill>
+              </a:rPr>
               <a:t>Number of observations: </a:t>
             </a:r>
             <a:r>
-              <a:rPr lang="en-US" dirty="0" smtClean="0"/>
+              <a:rPr lang="en-US" dirty="0" smtClean="0">
+                <a:solidFill>
+                  <a:srgbClr val="FFFF00"/>
+                </a:solidFill>
+              </a:rPr>
               <a:t>649</a:t>
             </a:r>
-            <a:endParaRPr lang="en-US" dirty="0"/>
-          </a:p>
-          <a:p>
-            <a:r>
-              <a:rPr lang="en-US" dirty="0"/>
+            <a:endParaRPr lang="en-US" dirty="0">
+              <a:solidFill>
+                <a:srgbClr val="FFFF00"/>
+              </a:solidFill>
+            </a:endParaRPr>
+          </a:p>
+          <a:p>
+            <a:r>
+              <a:rPr lang="en-US" dirty="0">
+                <a:solidFill>
+                  <a:srgbClr val="FFFF00"/>
+                </a:solidFill>
+              </a:rPr>
               <a:t>Total missing: 0%</a:t>
             </a:r>
           </a:p>
           <a:p>
             <a:r>
-              <a:rPr lang="en-US" dirty="0"/>
+              <a:rPr lang="en-US" dirty="0">
+                <a:solidFill>
+                  <a:srgbClr val="FFFF00"/>
+                </a:solidFill>
+              </a:rPr>
               <a:t>Variable type numeric: 15</a:t>
             </a:r>
           </a:p>
           <a:p>
             <a:r>
-              <a:rPr lang="en-US" dirty="0"/>
+              <a:rPr lang="en-US" dirty="0">
+                <a:solidFill>
+                  <a:srgbClr val="FFFF00"/>
+                </a:solidFill>
+              </a:rPr>
               <a:t>Variable type categorical: 17</a:t>
             </a:r>
           </a:p>
           <a:p>
             <a:r>
-              <a:rPr lang="en-US" dirty="0"/>
+              <a:rPr lang="en-US" dirty="0">
+                <a:solidFill>
+                  <a:srgbClr val="FFFF00"/>
+                </a:solidFill>
+              </a:rPr>
               <a:t>Rejected = 1  </a:t>
             </a:r>
-            <a:endParaRPr lang="en-US" dirty="0" smtClean="0"/>
+            <a:endParaRPr lang="en-US" dirty="0" smtClean="0">
+              <a:solidFill>
+                <a:srgbClr val="FFFF00"/>
+              </a:solidFill>
+            </a:endParaRPr>
           </a:p>
           <a:p>
             <a:pPr lvl="1"/>
             <a:r>
-              <a:rPr lang="en-US" dirty="0" smtClean="0"/>
+              <a:rPr lang="en-US" dirty="0" smtClean="0">
+                <a:solidFill>
+                  <a:srgbClr val="FFFF00"/>
+                </a:solidFill>
+              </a:rPr>
               <a:t>G3 </a:t>
             </a:r>
             <a:r>
-              <a:rPr lang="en-US" dirty="0"/>
+              <a:rPr lang="en-US" dirty="0">
+                <a:solidFill>
+                  <a:srgbClr val="FFFF00"/>
+                </a:solidFill>
+              </a:rPr>
               <a:t>highly correlated with </a:t>
             </a:r>
             <a:r>
-              <a:rPr lang="en-US" dirty="0" smtClean="0"/>
+              <a:rPr lang="en-US" dirty="0" smtClean="0">
+                <a:solidFill>
+                  <a:srgbClr val="FFFF00"/>
+                </a:solidFill>
+              </a:rPr>
               <a:t>G2 (.91855)</a:t>
             </a:r>
-            <a:endParaRPr lang="en-US" dirty="0"/>
+            <a:endParaRPr lang="en-US" dirty="0">
+              <a:solidFill>
+                <a:srgbClr val="FFFF00"/>
+              </a:solidFill>
+            </a:endParaRPr>
           </a:p>
         </p:txBody>
       </p:sp>
@@ -8957,18 +10508,34 @@
           <a:lstStyle/>
           <a:p>
             <a:r>
-              <a:rPr lang="en-US" sz="3200" dirty="0" smtClean="0"/>
+              <a:rPr lang="en-US" sz="3200" dirty="0" smtClean="0">
+                <a:solidFill>
+                  <a:srgbClr val="FFFF00"/>
+                </a:solidFill>
+              </a:rPr>
               <a:t>Some </a:t>
             </a:r>
             <a:r>
-              <a:rPr lang="en-US" sz="3200" dirty="0"/>
+              <a:rPr lang="en-US" sz="3200" dirty="0">
+                <a:solidFill>
+                  <a:srgbClr val="FFFF00"/>
+                </a:solidFill>
+              </a:rPr>
               <a:t>o</a:t>
             </a:r>
             <a:r>
-              <a:rPr lang="en-US" sz="3200" dirty="0" smtClean="0"/>
+              <a:rPr lang="en-US" sz="3200" dirty="0" smtClean="0">
+                <a:solidFill>
+                  <a:srgbClr val="FFFF00"/>
+                </a:solidFill>
+              </a:rPr>
               <a:t>bservations while exploring the data</a:t>
             </a:r>
-            <a:endParaRPr lang="en-US" sz="3200" dirty="0"/>
+            <a:endParaRPr lang="en-US" sz="3200" dirty="0">
+              <a:solidFill>
+                <a:srgbClr val="FFFF00"/>
+              </a:solidFill>
+            </a:endParaRPr>
           </a:p>
         </p:txBody>
       </p:sp>
@@ -8996,40 +10563,72 @@
           </a:p>
           <a:p>
             <a:r>
-              <a:rPr lang="en-US" sz="2800" dirty="0" smtClean="0"/>
+              <a:rPr lang="en-US" sz="2800" dirty="0" smtClean="0">
+                <a:solidFill>
+                  <a:srgbClr val="FFFF00"/>
+                </a:solidFill>
+              </a:rPr>
               <a:t>No missing data in either dataset</a:t>
             </a:r>
           </a:p>
           <a:p>
-            <a:endParaRPr lang="en-US" sz="2800" dirty="0" smtClean="0"/>
-          </a:p>
-          <a:p>
-            <a:r>
-              <a:rPr lang="en-US" sz="2800" dirty="0" smtClean="0"/>
+            <a:endParaRPr lang="en-US" sz="2800" dirty="0" smtClean="0">
+              <a:solidFill>
+                <a:srgbClr val="FFFF00"/>
+              </a:solidFill>
+            </a:endParaRPr>
+          </a:p>
+          <a:p>
+            <a:r>
+              <a:rPr lang="en-US" sz="2800" dirty="0" smtClean="0">
+                <a:solidFill>
+                  <a:srgbClr val="FFFF00"/>
+                </a:solidFill>
+              </a:rPr>
               <a:t>Both datasets contain the same features</a:t>
             </a:r>
           </a:p>
           <a:p>
-            <a:endParaRPr lang="en-US" sz="2800" dirty="0" smtClean="0"/>
-          </a:p>
-          <a:p>
-            <a:r>
-              <a:rPr lang="en-US" sz="2800" dirty="0" smtClean="0"/>
+            <a:endParaRPr lang="en-US" sz="2800" dirty="0" smtClean="0">
+              <a:solidFill>
+                <a:srgbClr val="FFFF00"/>
+              </a:solidFill>
+            </a:endParaRPr>
+          </a:p>
+          <a:p>
+            <a:r>
+              <a:rPr lang="en-US" sz="2800" dirty="0" smtClean="0">
+                <a:solidFill>
+                  <a:srgbClr val="FFFF00"/>
+                </a:solidFill>
+              </a:rPr>
               <a:t>Features are a mix of numeric &amp; categorical variables  15-numeric, 17 categorical</a:t>
             </a:r>
           </a:p>
           <a:p>
-            <a:endParaRPr lang="en-US" sz="2800" dirty="0" smtClean="0"/>
-          </a:p>
-          <a:p>
-            <a:r>
-              <a:rPr lang="en-US" sz="2800" dirty="0" smtClean="0"/>
+            <a:endParaRPr lang="en-US" sz="2800" dirty="0" smtClean="0">
+              <a:solidFill>
+                <a:srgbClr val="FFFF00"/>
+              </a:solidFill>
+            </a:endParaRPr>
+          </a:p>
+          <a:p>
+            <a:r>
+              <a:rPr lang="en-US" sz="2800" dirty="0" smtClean="0">
+                <a:solidFill>
+                  <a:srgbClr val="FFFF00"/>
+                </a:solidFill>
+              </a:rPr>
               <a:t>Portuguese dataset contained 649 records</a:t>
             </a:r>
           </a:p>
           <a:p>
             <a:r>
-              <a:rPr lang="en-US" sz="2800" dirty="0" smtClean="0"/>
+              <a:rPr lang="en-US" sz="2800" dirty="0" smtClean="0">
+                <a:solidFill>
+                  <a:srgbClr val="FFFF00"/>
+                </a:solidFill>
+              </a:rPr>
               <a:t>Math dataset contained 395 records</a:t>
             </a:r>
           </a:p>
